--- a/Bachelorproef.pptx
+++ b/Bachelorproef.pptx
@@ -9,6 +9,15 @@
     <p:sldId id="258" r:id="rId3"/>
     <p:sldId id="257" r:id="rId4"/>
     <p:sldId id="259" r:id="rId5"/>
+    <p:sldId id="260" r:id="rId6"/>
+    <p:sldId id="261" r:id="rId7"/>
+    <p:sldId id="262" r:id="rId8"/>
+    <p:sldId id="266" r:id="rId9"/>
+    <p:sldId id="267" r:id="rId10"/>
+    <p:sldId id="268" r:id="rId11"/>
+    <p:sldId id="263" r:id="rId12"/>
+    <p:sldId id="264" r:id="rId13"/>
+    <p:sldId id="265" r:id="rId14"/>
   </p:sldIdLst>
   <p:sldSz cx="12192000" cy="6858000"/>
   <p:notesSz cx="6858000" cy="9144000"/>
@@ -16014,6 +16023,1272 @@
 </p:sld>
 </file>
 
+<file path=ppt/slides/slide10.xml><?xml version="1.0" encoding="utf-8"?>
+<p:sld xmlns:a="http://schemas.openxmlformats.org/drawingml/2006/main" xmlns:r="http://schemas.openxmlformats.org/officeDocument/2006/relationships" xmlns:p="http://schemas.openxmlformats.org/presentationml/2006/main">
+  <p:cSld>
+    <p:spTree>
+      <p:nvGrpSpPr>
+        <p:cNvPr id="1" name=""/>
+        <p:cNvGrpSpPr/>
+        <p:nvPr/>
+      </p:nvGrpSpPr>
+      <p:grpSpPr>
+        <a:xfrm>
+          <a:off x="0" y="0"/>
+          <a:ext cx="0" cy="0"/>
+          <a:chOff x="0" y="0"/>
+          <a:chExt cx="0" cy="0"/>
+        </a:xfrm>
+      </p:grpSpPr>
+      <p:sp>
+        <p:nvSpPr>
+          <p:cNvPr id="2" name="Titel 1">
+            <a:extLst>
+              <a:ext uri="{FF2B5EF4-FFF2-40B4-BE49-F238E27FC236}">
+                <a16:creationId xmlns:a16="http://schemas.microsoft.com/office/drawing/2014/main" id="{3BBB7796-4215-9F47-8F97-37BC32EE3AC2}"/>
+              </a:ext>
+            </a:extLst>
+          </p:cNvPr>
+          <p:cNvSpPr>
+            <a:spLocks noGrp="1"/>
+          </p:cNvSpPr>
+          <p:nvPr>
+            <p:ph type="title"/>
+          </p:nvPr>
+        </p:nvSpPr>
+        <p:spPr/>
+        <p:txBody>
+          <a:bodyPr/>
+          <a:lstStyle/>
+          <a:p>
+            <a:r>
+              <a:rPr lang="nl-BE" dirty="0"/>
+              <a:t>Conclusies</a:t>
+            </a:r>
+          </a:p>
+        </p:txBody>
+      </p:sp>
+      <p:sp>
+        <p:nvSpPr>
+          <p:cNvPr id="4" name="Tekstvak 3">
+            <a:extLst>
+              <a:ext uri="{FF2B5EF4-FFF2-40B4-BE49-F238E27FC236}">
+                <a16:creationId xmlns:a16="http://schemas.microsoft.com/office/drawing/2014/main" id="{AAFADC28-97B4-0049-A1B0-FDDF5BD6BD01}"/>
+              </a:ext>
+            </a:extLst>
+          </p:cNvPr>
+          <p:cNvSpPr txBox="1"/>
+          <p:nvPr/>
+        </p:nvSpPr>
+        <p:spPr>
+          <a:xfrm>
+            <a:off x="1520643" y="1753368"/>
+            <a:ext cx="1244956" cy="400110"/>
+          </a:xfrm>
+          <a:prstGeom prst="rect">
+            <a:avLst/>
+          </a:prstGeom>
+          <a:noFill/>
+        </p:spPr>
+        <p:txBody>
+          <a:bodyPr wrap="none" rtlCol="0">
+            <a:spAutoFit/>
+          </a:bodyPr>
+          <a:lstStyle/>
+          <a:p>
+            <a:r>
+              <a:rPr lang="nl-BE" sz="2000" dirty="0">
+                <a:solidFill>
+                  <a:schemeClr val="bg1"/>
+                </a:solidFill>
+              </a:rPr>
+              <a:t>Memory </a:t>
+            </a:r>
+          </a:p>
+        </p:txBody>
+      </p:sp>
+      <p:pic>
+        <p:nvPicPr>
+          <p:cNvPr id="5" name="Afbeelding 4" descr="Afbeelding met schermafbeelding&#10;&#10;Automatisch gegenereerde beschrijving">
+            <a:extLst>
+              <a:ext uri="{FF2B5EF4-FFF2-40B4-BE49-F238E27FC236}">
+                <a16:creationId xmlns:a16="http://schemas.microsoft.com/office/drawing/2014/main" id="{40111578-1A5A-A94C-91E9-C69CC685B9EE}"/>
+              </a:ext>
+            </a:extLst>
+          </p:cNvPr>
+          <p:cNvPicPr>
+            <a:picLocks noChangeAspect="1"/>
+          </p:cNvPicPr>
+          <p:nvPr/>
+        </p:nvPicPr>
+        <p:blipFill>
+          <a:blip r:embed="rId2"/>
+          <a:stretch>
+            <a:fillRect/>
+          </a:stretch>
+        </p:blipFill>
+        <p:spPr>
+          <a:xfrm>
+            <a:off x="5021630" y="378425"/>
+            <a:ext cx="6281739" cy="3942999"/>
+          </a:xfrm>
+          <a:prstGeom prst="rect">
+            <a:avLst/>
+          </a:prstGeom>
+        </p:spPr>
+      </p:pic>
+      <p:graphicFrame>
+        <p:nvGraphicFramePr>
+          <p:cNvPr id="15" name="Tabel 14">
+            <a:extLst>
+              <a:ext uri="{FF2B5EF4-FFF2-40B4-BE49-F238E27FC236}">
+                <a16:creationId xmlns:a16="http://schemas.microsoft.com/office/drawing/2014/main" id="{EC1E846A-2735-C545-9859-F21EF743B500}"/>
+              </a:ext>
+            </a:extLst>
+          </p:cNvPr>
+          <p:cNvGraphicFramePr>
+            <a:graphicFrameLocks noGrp="1"/>
+          </p:cNvGraphicFramePr>
+          <p:nvPr>
+            <p:extLst>
+              <p:ext uri="{D42A27DB-BD31-4B8C-83A1-F6EECF244321}">
+                <p14:modId xmlns:p14="http://schemas.microsoft.com/office/powerpoint/2010/main" val="2756345002"/>
+              </p:ext>
+            </p:extLst>
+          </p:nvPr>
+        </p:nvGraphicFramePr>
+        <p:xfrm>
+          <a:off x="4652681" y="4321424"/>
+          <a:ext cx="6650688" cy="1828800"/>
+        </p:xfrm>
+        <a:graphic>
+          <a:graphicData uri="http://schemas.openxmlformats.org/drawingml/2006/table">
+            <a:tbl>
+              <a:tblPr firstRow="1" bandRow="1">
+                <a:tableStyleId>{5C22544A-7EE6-4342-B048-85BDC9FD1C3A}</a:tableStyleId>
+              </a:tblPr>
+              <a:tblGrid>
+                <a:gridCol w="1662672">
+                  <a:extLst>
+                    <a:ext uri="{9D8B030D-6E8A-4147-A177-3AD203B41FA5}">
+                      <a16:colId xmlns:a16="http://schemas.microsoft.com/office/drawing/2014/main" val="3223499151"/>
+                    </a:ext>
+                  </a:extLst>
+                </a:gridCol>
+                <a:gridCol w="1662672">
+                  <a:extLst>
+                    <a:ext uri="{9D8B030D-6E8A-4147-A177-3AD203B41FA5}">
+                      <a16:colId xmlns:a16="http://schemas.microsoft.com/office/drawing/2014/main" val="132839027"/>
+                    </a:ext>
+                  </a:extLst>
+                </a:gridCol>
+                <a:gridCol w="1662672">
+                  <a:extLst>
+                    <a:ext uri="{9D8B030D-6E8A-4147-A177-3AD203B41FA5}">
+                      <a16:colId xmlns:a16="http://schemas.microsoft.com/office/drawing/2014/main" val="540544860"/>
+                    </a:ext>
+                  </a:extLst>
+                </a:gridCol>
+                <a:gridCol w="1662672">
+                  <a:extLst>
+                    <a:ext uri="{9D8B030D-6E8A-4147-A177-3AD203B41FA5}">
+                      <a16:colId xmlns:a16="http://schemas.microsoft.com/office/drawing/2014/main" val="3922608634"/>
+                    </a:ext>
+                  </a:extLst>
+                </a:gridCol>
+              </a:tblGrid>
+              <a:tr h="262579">
+                <a:tc>
+                  <a:txBody>
+                    <a:bodyPr/>
+                    <a:lstStyle/>
+                    <a:p>
+                      <a:endParaRPr lang="nl-BE" dirty="0"/>
+                    </a:p>
+                  </a:txBody>
+                  <a:tcPr/>
+                </a:tc>
+                <a:tc>
+                  <a:txBody>
+                    <a:bodyPr/>
+                    <a:lstStyle/>
+                    <a:p>
+                      <a:r>
+                        <a:rPr lang="nl-BE" sz="1600" dirty="0"/>
+                        <a:t>Memory (MB)</a:t>
+                      </a:r>
+                    </a:p>
+                  </a:txBody>
+                  <a:tcPr/>
+                </a:tc>
+                <a:tc>
+                  <a:txBody>
+                    <a:bodyPr/>
+                    <a:lstStyle/>
+                    <a:p>
+                      <a:pPr marL="0" marR="0" lvl="0" indent="0" algn="l" defTabSz="914400" rtl="0" eaLnBrk="1" fontAlgn="auto" latinLnBrk="0" hangingPunct="1">
+                        <a:lnSpc>
+                          <a:spcPct val="100000"/>
+                        </a:lnSpc>
+                        <a:spcBef>
+                          <a:spcPts val="0"/>
+                        </a:spcBef>
+                        <a:spcAft>
+                          <a:spcPts val="0"/>
+                        </a:spcAft>
+                        <a:buClrTx/>
+                        <a:buSzTx/>
+                        <a:buFontTx/>
+                        <a:buNone/>
+                        <a:tabLst/>
+                        <a:defRPr/>
+                      </a:pPr>
+                      <a:r>
+                        <a:rPr kumimoji="0" lang="nl-BE" sz="1600" b="1" i="0" u="none" strike="noStrike" kern="1200" cap="none" spc="0" normalizeH="0" baseline="0" noProof="0" dirty="0">
+                          <a:ln>
+                            <a:noFill/>
+                          </a:ln>
+                          <a:solidFill>
+                            <a:prstClr val="white"/>
+                          </a:solidFill>
+                          <a:effectLst/>
+                          <a:uLnTx/>
+                          <a:uFillTx/>
+                          <a:latin typeface="+mn-lt"/>
+                          <a:ea typeface="+mn-ea"/>
+                          <a:cs typeface="+mn-cs"/>
+                        </a:rPr>
+                        <a:t>Memory (MB)</a:t>
+                      </a:r>
+                    </a:p>
+                  </a:txBody>
+                  <a:tcPr/>
+                </a:tc>
+                <a:tc>
+                  <a:txBody>
+                    <a:bodyPr/>
+                    <a:lstStyle/>
+                    <a:p>
+                      <a:pPr marL="0" marR="0" lvl="0" indent="0" algn="l" defTabSz="914400" rtl="0" eaLnBrk="1" fontAlgn="auto" latinLnBrk="0" hangingPunct="1">
+                        <a:lnSpc>
+                          <a:spcPct val="100000"/>
+                        </a:lnSpc>
+                        <a:spcBef>
+                          <a:spcPts val="0"/>
+                        </a:spcBef>
+                        <a:spcAft>
+                          <a:spcPts val="0"/>
+                        </a:spcAft>
+                        <a:buClrTx/>
+                        <a:buSzTx/>
+                        <a:buFontTx/>
+                        <a:buNone/>
+                        <a:tabLst/>
+                        <a:defRPr/>
+                      </a:pPr>
+                      <a:r>
+                        <a:rPr kumimoji="0" lang="nl-BE" sz="1600" b="1" i="0" u="none" strike="noStrike" kern="1200" cap="none" spc="0" normalizeH="0" baseline="0" noProof="0" dirty="0">
+                          <a:ln>
+                            <a:noFill/>
+                          </a:ln>
+                          <a:solidFill>
+                            <a:prstClr val="white"/>
+                          </a:solidFill>
+                          <a:effectLst/>
+                          <a:uLnTx/>
+                          <a:uFillTx/>
+                          <a:latin typeface="+mn-lt"/>
+                          <a:ea typeface="+mn-ea"/>
+                          <a:cs typeface="+mn-cs"/>
+                        </a:rPr>
+                        <a:t>Memory (MB)</a:t>
+                      </a:r>
+                    </a:p>
+                  </a:txBody>
+                  <a:tcPr/>
+                </a:tc>
+                <a:extLst>
+                  <a:ext uri="{0D108BD9-81ED-4DB2-BD59-A6C34878D82A}">
+                    <a16:rowId xmlns:a16="http://schemas.microsoft.com/office/drawing/2014/main" val="4061641372"/>
+                  </a:ext>
+                </a:extLst>
+              </a:tr>
+              <a:tr h="262579">
+                <a:tc>
+                  <a:txBody>
+                    <a:bodyPr/>
+                    <a:lstStyle/>
+                    <a:p>
+                      <a:r>
+                        <a:rPr lang="nl-BE" dirty="0"/>
+                        <a:t>Min.</a:t>
+                      </a:r>
+                    </a:p>
+                  </a:txBody>
+                  <a:tcPr/>
+                </a:tc>
+                <a:tc>
+                  <a:txBody>
+                    <a:bodyPr/>
+                    <a:lstStyle/>
+                    <a:p>
+                      <a:r>
+                        <a:rPr lang="nl-BE" dirty="0"/>
+                        <a:t>32</a:t>
+                      </a:r>
+                    </a:p>
+                  </a:txBody>
+                  <a:tcPr/>
+                </a:tc>
+                <a:tc>
+                  <a:txBody>
+                    <a:bodyPr/>
+                    <a:lstStyle/>
+                    <a:p>
+                      <a:r>
+                        <a:rPr lang="nl-BE" dirty="0"/>
+                        <a:t>33</a:t>
+                      </a:r>
+                    </a:p>
+                  </a:txBody>
+                  <a:tcPr/>
+                </a:tc>
+                <a:tc>
+                  <a:txBody>
+                    <a:bodyPr/>
+                    <a:lstStyle/>
+                    <a:p>
+                      <a:r>
+                        <a:rPr lang="nl-BE" dirty="0"/>
+                        <a:t>31</a:t>
+                      </a:r>
+                    </a:p>
+                  </a:txBody>
+                  <a:tcPr/>
+                </a:tc>
+                <a:extLst>
+                  <a:ext uri="{0D108BD9-81ED-4DB2-BD59-A6C34878D82A}">
+                    <a16:rowId xmlns:a16="http://schemas.microsoft.com/office/drawing/2014/main" val="163805619"/>
+                  </a:ext>
+                </a:extLst>
+              </a:tr>
+              <a:tr h="262579">
+                <a:tc>
+                  <a:txBody>
+                    <a:bodyPr/>
+                    <a:lstStyle/>
+                    <a:p>
+                      <a:r>
+                        <a:rPr lang="nl-BE" dirty="0"/>
+                        <a:t>Gem.</a:t>
+                      </a:r>
+                    </a:p>
+                  </a:txBody>
+                  <a:tcPr/>
+                </a:tc>
+                <a:tc>
+                  <a:txBody>
+                    <a:bodyPr/>
+                    <a:lstStyle/>
+                    <a:p>
+                      <a:r>
+                        <a:rPr lang="nl-BE" dirty="0"/>
+                        <a:t>36.3053053</a:t>
+                      </a:r>
+                    </a:p>
+                  </a:txBody>
+                  <a:tcPr/>
+                </a:tc>
+                <a:tc>
+                  <a:txBody>
+                    <a:bodyPr/>
+                    <a:lstStyle/>
+                    <a:p>
+                      <a:r>
+                        <a:rPr lang="nl-BE" dirty="0"/>
+                        <a:t>33.601</a:t>
+                      </a:r>
+                    </a:p>
+                  </a:txBody>
+                  <a:tcPr/>
+                </a:tc>
+                <a:tc>
+                  <a:txBody>
+                    <a:bodyPr/>
+                    <a:lstStyle/>
+                    <a:p>
+                      <a:r>
+                        <a:rPr lang="nl-BE" dirty="0"/>
+                        <a:t>33.138</a:t>
+                      </a:r>
+                    </a:p>
+                  </a:txBody>
+                  <a:tcPr/>
+                </a:tc>
+                <a:extLst>
+                  <a:ext uri="{0D108BD9-81ED-4DB2-BD59-A6C34878D82A}">
+                    <a16:rowId xmlns:a16="http://schemas.microsoft.com/office/drawing/2014/main" val="3615404722"/>
+                  </a:ext>
+                </a:extLst>
+              </a:tr>
+              <a:tr h="262579">
+                <a:tc>
+                  <a:txBody>
+                    <a:bodyPr/>
+                    <a:lstStyle/>
+                    <a:p>
+                      <a:r>
+                        <a:rPr lang="nl-BE" dirty="0"/>
+                        <a:t>Max.</a:t>
+                      </a:r>
+                    </a:p>
+                  </a:txBody>
+                  <a:tcPr/>
+                </a:tc>
+                <a:tc>
+                  <a:txBody>
+                    <a:bodyPr/>
+                    <a:lstStyle/>
+                    <a:p>
+                      <a:r>
+                        <a:rPr lang="nl-BE" dirty="0"/>
+                        <a:t>48</a:t>
+                      </a:r>
+                    </a:p>
+                  </a:txBody>
+                  <a:tcPr/>
+                </a:tc>
+                <a:tc>
+                  <a:txBody>
+                    <a:bodyPr/>
+                    <a:lstStyle/>
+                    <a:p>
+                      <a:r>
+                        <a:rPr lang="nl-BE" dirty="0"/>
+                        <a:t>42</a:t>
+                      </a:r>
+                    </a:p>
+                  </a:txBody>
+                  <a:tcPr/>
+                </a:tc>
+                <a:tc>
+                  <a:txBody>
+                    <a:bodyPr/>
+                    <a:lstStyle/>
+                    <a:p>
+                      <a:r>
+                        <a:rPr lang="nl-BE" dirty="0"/>
+                        <a:t>42</a:t>
+                      </a:r>
+                    </a:p>
+                  </a:txBody>
+                  <a:tcPr/>
+                </a:tc>
+                <a:extLst>
+                  <a:ext uri="{0D108BD9-81ED-4DB2-BD59-A6C34878D82A}">
+                    <a16:rowId xmlns:a16="http://schemas.microsoft.com/office/drawing/2014/main" val="2112431658"/>
+                  </a:ext>
+                </a:extLst>
+              </a:tr>
+              <a:tr h="262579">
+                <a:tc>
+                  <a:txBody>
+                    <a:bodyPr/>
+                    <a:lstStyle/>
+                    <a:p>
+                      <a:r>
+                        <a:rPr lang="nl-BE" dirty="0"/>
+                        <a:t># ontvangen.</a:t>
+                      </a:r>
+                    </a:p>
+                  </a:txBody>
+                  <a:tcPr/>
+                </a:tc>
+                <a:tc>
+                  <a:txBody>
+                    <a:bodyPr/>
+                    <a:lstStyle/>
+                    <a:p>
+                      <a:r>
+                        <a:rPr lang="nl-BE" dirty="0"/>
+                        <a:t>1 000</a:t>
+                      </a:r>
+                    </a:p>
+                  </a:txBody>
+                  <a:tcPr/>
+                </a:tc>
+                <a:tc>
+                  <a:txBody>
+                    <a:bodyPr/>
+                    <a:lstStyle/>
+                    <a:p>
+                      <a:pPr marL="0" marR="0" lvl="0" indent="0" algn="l" defTabSz="914400" rtl="0" eaLnBrk="1" fontAlgn="auto" latinLnBrk="0" hangingPunct="1">
+                        <a:lnSpc>
+                          <a:spcPct val="100000"/>
+                        </a:lnSpc>
+                        <a:spcBef>
+                          <a:spcPts val="0"/>
+                        </a:spcBef>
+                        <a:spcAft>
+                          <a:spcPts val="0"/>
+                        </a:spcAft>
+                        <a:buClrTx/>
+                        <a:buSzTx/>
+                        <a:buFontTx/>
+                        <a:buNone/>
+                        <a:tabLst/>
+                        <a:defRPr/>
+                      </a:pPr>
+                      <a:r>
+                        <a:rPr lang="nl-BE" dirty="0"/>
+                        <a:t>1 000</a:t>
+                      </a:r>
+                    </a:p>
+                  </a:txBody>
+                  <a:tcPr/>
+                </a:tc>
+                <a:tc>
+                  <a:txBody>
+                    <a:bodyPr/>
+                    <a:lstStyle/>
+                    <a:p>
+                      <a:pPr marL="0" marR="0" lvl="0" indent="0" algn="l" defTabSz="914400" rtl="0" eaLnBrk="1" fontAlgn="auto" latinLnBrk="0" hangingPunct="1">
+                        <a:lnSpc>
+                          <a:spcPct val="100000"/>
+                        </a:lnSpc>
+                        <a:spcBef>
+                          <a:spcPts val="0"/>
+                        </a:spcBef>
+                        <a:spcAft>
+                          <a:spcPts val="0"/>
+                        </a:spcAft>
+                        <a:buClrTx/>
+                        <a:buSzTx/>
+                        <a:buFontTx/>
+                        <a:buNone/>
+                        <a:tabLst/>
+                        <a:defRPr/>
+                      </a:pPr>
+                      <a:r>
+                        <a:rPr lang="nl-BE" dirty="0"/>
+                        <a:t>1 000</a:t>
+                      </a:r>
+                    </a:p>
+                  </a:txBody>
+                  <a:tcPr/>
+                </a:tc>
+                <a:extLst>
+                  <a:ext uri="{0D108BD9-81ED-4DB2-BD59-A6C34878D82A}">
+                    <a16:rowId xmlns:a16="http://schemas.microsoft.com/office/drawing/2014/main" val="2446760339"/>
+                  </a:ext>
+                </a:extLst>
+              </a:tr>
+            </a:tbl>
+          </a:graphicData>
+        </a:graphic>
+      </p:graphicFrame>
+    </p:spTree>
+    <p:extLst>
+      <p:ext uri="{BB962C8B-B14F-4D97-AF65-F5344CB8AC3E}">
+        <p14:creationId xmlns:p14="http://schemas.microsoft.com/office/powerpoint/2010/main" val="3649234799"/>
+      </p:ext>
+    </p:extLst>
+  </p:cSld>
+  <p:clrMapOvr>
+    <a:masterClrMapping/>
+  </p:clrMapOvr>
+  <mc:AlternateContent xmlns:mc="http://schemas.openxmlformats.org/markup-compatibility/2006">
+    <mc:Choice xmlns:p14="http://schemas.microsoft.com/office/powerpoint/2010/main" Requires="p14">
+      <p:transition spd="med" p14:dur="700">
+        <p:fade/>
+      </p:transition>
+    </mc:Choice>
+    <mc:Fallback>
+      <p:transition spd="med">
+        <p:fade/>
+      </p:transition>
+    </mc:Fallback>
+  </mc:AlternateContent>
+</p:sld>
+</file>
+
+<file path=ppt/slides/slide11.xml><?xml version="1.0" encoding="utf-8"?>
+<p:sld xmlns:a="http://schemas.openxmlformats.org/drawingml/2006/main" xmlns:r="http://schemas.openxmlformats.org/officeDocument/2006/relationships" xmlns:p="http://schemas.openxmlformats.org/presentationml/2006/main">
+  <p:cSld>
+    <p:spTree>
+      <p:nvGrpSpPr>
+        <p:cNvPr id="1" name=""/>
+        <p:cNvGrpSpPr/>
+        <p:nvPr/>
+      </p:nvGrpSpPr>
+      <p:grpSpPr>
+        <a:xfrm>
+          <a:off x="0" y="0"/>
+          <a:ext cx="0" cy="0"/>
+          <a:chOff x="0" y="0"/>
+          <a:chExt cx="0" cy="0"/>
+        </a:xfrm>
+      </p:grpSpPr>
+      <p:sp>
+        <p:nvSpPr>
+          <p:cNvPr id="2" name="Titel 1">
+            <a:extLst>
+              <a:ext uri="{FF2B5EF4-FFF2-40B4-BE49-F238E27FC236}">
+                <a16:creationId xmlns:a16="http://schemas.microsoft.com/office/drawing/2014/main" id="{3BBB7796-4215-9F47-8F97-37BC32EE3AC2}"/>
+              </a:ext>
+            </a:extLst>
+          </p:cNvPr>
+          <p:cNvSpPr>
+            <a:spLocks noGrp="1"/>
+          </p:cNvSpPr>
+          <p:nvPr>
+            <p:ph type="title"/>
+          </p:nvPr>
+        </p:nvSpPr>
+        <p:spPr/>
+        <p:txBody>
+          <a:bodyPr/>
+          <a:lstStyle/>
+          <a:p>
+            <a:r>
+              <a:rPr lang="nl-BE" dirty="0"/>
+              <a:t>Besluit</a:t>
+            </a:r>
+          </a:p>
+        </p:txBody>
+      </p:sp>
+      <p:sp>
+        <p:nvSpPr>
+          <p:cNvPr id="3" name="Tijdelijke aanduiding voor inhoud 2">
+            <a:extLst>
+              <a:ext uri="{FF2B5EF4-FFF2-40B4-BE49-F238E27FC236}">
+                <a16:creationId xmlns:a16="http://schemas.microsoft.com/office/drawing/2014/main" id="{D0D46907-B3A3-7347-8F69-C6DD01F8DB1B}"/>
+              </a:ext>
+            </a:extLst>
+          </p:cNvPr>
+          <p:cNvSpPr>
+            <a:spLocks noGrp="1"/>
+          </p:cNvSpPr>
+          <p:nvPr>
+            <p:ph idx="1"/>
+          </p:nvPr>
+        </p:nvSpPr>
+        <p:spPr>
+          <a:xfrm>
+            <a:off x="4663455" y="803186"/>
+            <a:ext cx="6281873" cy="5248622"/>
+          </a:xfrm>
+        </p:spPr>
+        <p:txBody>
+          <a:bodyPr/>
+          <a:lstStyle/>
+          <a:p>
+            <a:endParaRPr lang="nl-BE" dirty="0"/>
+          </a:p>
+        </p:txBody>
+      </p:sp>
+      <p:pic>
+        <p:nvPicPr>
+          <p:cNvPr id="5" name="Afbeelding 4">
+            <a:extLst>
+              <a:ext uri="{FF2B5EF4-FFF2-40B4-BE49-F238E27FC236}">
+                <a16:creationId xmlns:a16="http://schemas.microsoft.com/office/drawing/2014/main" id="{77F3B0D5-DDE7-334E-85DB-B891EF1D5765}"/>
+              </a:ext>
+            </a:extLst>
+          </p:cNvPr>
+          <p:cNvPicPr>
+            <a:picLocks noChangeAspect="1"/>
+          </p:cNvPicPr>
+          <p:nvPr/>
+        </p:nvPicPr>
+        <p:blipFill>
+          <a:blip r:embed="rId2"/>
+          <a:stretch>
+            <a:fillRect/>
+          </a:stretch>
+        </p:blipFill>
+        <p:spPr>
+          <a:xfrm>
+            <a:off x="6829537" y="2484396"/>
+            <a:ext cx="2057896" cy="1081715"/>
+          </a:xfrm>
+          <a:prstGeom prst="rect">
+            <a:avLst/>
+          </a:prstGeom>
+        </p:spPr>
+      </p:pic>
+      <p:pic>
+        <p:nvPicPr>
+          <p:cNvPr id="7" name="Afbeelding 6">
+            <a:extLst>
+              <a:ext uri="{FF2B5EF4-FFF2-40B4-BE49-F238E27FC236}">
+                <a16:creationId xmlns:a16="http://schemas.microsoft.com/office/drawing/2014/main" id="{ED9FED87-E491-1843-976B-748A8DAF81A5}"/>
+              </a:ext>
+            </a:extLst>
+          </p:cNvPr>
+          <p:cNvPicPr>
+            <a:picLocks noChangeAspect="1"/>
+          </p:cNvPicPr>
+          <p:nvPr/>
+        </p:nvPicPr>
+        <p:blipFill>
+          <a:blip r:embed="rId3"/>
+          <a:stretch>
+            <a:fillRect/>
+          </a:stretch>
+        </p:blipFill>
+        <p:spPr>
+          <a:xfrm>
+            <a:off x="9458688" y="1767459"/>
+            <a:ext cx="2515587" cy="2515587"/>
+          </a:xfrm>
+          <a:prstGeom prst="rect">
+            <a:avLst/>
+          </a:prstGeom>
+        </p:spPr>
+      </p:pic>
+      <p:pic>
+        <p:nvPicPr>
+          <p:cNvPr id="9" name="Afbeelding 8">
+            <a:extLst>
+              <a:ext uri="{FF2B5EF4-FFF2-40B4-BE49-F238E27FC236}">
+                <a16:creationId xmlns:a16="http://schemas.microsoft.com/office/drawing/2014/main" id="{8BAAC395-B6BB-2642-8059-B0075AABC218}"/>
+              </a:ext>
+            </a:extLst>
+          </p:cNvPr>
+          <p:cNvPicPr>
+            <a:picLocks noChangeAspect="1"/>
+          </p:cNvPicPr>
+          <p:nvPr/>
+        </p:nvPicPr>
+        <p:blipFill>
+          <a:blip r:embed="rId4"/>
+          <a:stretch>
+            <a:fillRect/>
+          </a:stretch>
+        </p:blipFill>
+        <p:spPr>
+          <a:xfrm>
+            <a:off x="4509339" y="2155438"/>
+            <a:ext cx="1586661" cy="1749396"/>
+          </a:xfrm>
+          <a:prstGeom prst="rect">
+            <a:avLst/>
+          </a:prstGeom>
+        </p:spPr>
+      </p:pic>
+      <p:sp>
+        <p:nvSpPr>
+          <p:cNvPr id="10" name="Tekstvak 9">
+            <a:extLst>
+              <a:ext uri="{FF2B5EF4-FFF2-40B4-BE49-F238E27FC236}">
+                <a16:creationId xmlns:a16="http://schemas.microsoft.com/office/drawing/2014/main" id="{C6BA42D4-3E54-F246-A644-D56BB6665DE3}"/>
+              </a:ext>
+            </a:extLst>
+          </p:cNvPr>
+          <p:cNvSpPr txBox="1"/>
+          <p:nvPr/>
+        </p:nvSpPr>
+        <p:spPr>
+          <a:xfrm>
+            <a:off x="6096000" y="2840586"/>
+            <a:ext cx="470000" cy="369332"/>
+          </a:xfrm>
+          <a:prstGeom prst="rect">
+            <a:avLst/>
+          </a:prstGeom>
+          <a:noFill/>
+        </p:spPr>
+        <p:txBody>
+          <a:bodyPr wrap="none" rtlCol="0">
+            <a:spAutoFit/>
+          </a:bodyPr>
+          <a:lstStyle/>
+          <a:p>
+            <a:r>
+              <a:rPr lang="nl-BE" dirty="0"/>
+              <a:t>VS</a:t>
+            </a:r>
+          </a:p>
+        </p:txBody>
+      </p:sp>
+      <p:sp>
+        <p:nvSpPr>
+          <p:cNvPr id="11" name="Tekstvak 10">
+            <a:extLst>
+              <a:ext uri="{FF2B5EF4-FFF2-40B4-BE49-F238E27FC236}">
+                <a16:creationId xmlns:a16="http://schemas.microsoft.com/office/drawing/2014/main" id="{2819EA04-6FBF-7C40-BB98-8FB4F6297D0E}"/>
+              </a:ext>
+            </a:extLst>
+          </p:cNvPr>
+          <p:cNvSpPr txBox="1"/>
+          <p:nvPr/>
+        </p:nvSpPr>
+        <p:spPr>
+          <a:xfrm>
+            <a:off x="8911630" y="2857290"/>
+            <a:ext cx="470000" cy="369332"/>
+          </a:xfrm>
+          <a:prstGeom prst="rect">
+            <a:avLst/>
+          </a:prstGeom>
+          <a:noFill/>
+        </p:spPr>
+        <p:txBody>
+          <a:bodyPr wrap="none" rtlCol="0">
+            <a:spAutoFit/>
+          </a:bodyPr>
+          <a:lstStyle/>
+          <a:p>
+            <a:r>
+              <a:rPr lang="nl-BE" dirty="0"/>
+              <a:t>VS</a:t>
+            </a:r>
+          </a:p>
+        </p:txBody>
+      </p:sp>
+    </p:spTree>
+    <p:extLst>
+      <p:ext uri="{BB962C8B-B14F-4D97-AF65-F5344CB8AC3E}">
+        <p14:creationId xmlns:p14="http://schemas.microsoft.com/office/powerpoint/2010/main" val="540492750"/>
+      </p:ext>
+    </p:extLst>
+  </p:cSld>
+  <p:clrMapOvr>
+    <a:masterClrMapping/>
+  </p:clrMapOvr>
+  <mc:AlternateContent xmlns:mc="http://schemas.openxmlformats.org/markup-compatibility/2006">
+    <mc:Choice xmlns:p14="http://schemas.microsoft.com/office/powerpoint/2010/main" Requires="p14">
+      <p:transition spd="med" p14:dur="700">
+        <p:fade/>
+      </p:transition>
+    </mc:Choice>
+    <mc:Fallback>
+      <p:transition spd="med">
+        <p:fade/>
+      </p:transition>
+    </mc:Fallback>
+  </mc:AlternateContent>
+  <p:timing>
+    <p:tnLst>
+      <p:par>
+        <p:cTn id="1" dur="indefinite" restart="never" nodeType="tmRoot">
+          <p:childTnLst>
+            <p:seq concurrent="1" nextAc="seek">
+              <p:cTn id="2" dur="indefinite" nodeType="mainSeq">
+                <p:childTnLst>
+                  <p:par>
+                    <p:cTn id="3" fill="hold">
+                      <p:stCondLst>
+                        <p:cond delay="indefinite"/>
+                      </p:stCondLst>
+                      <p:childTnLst>
+                        <p:par>
+                          <p:cTn id="4" fill="hold">
+                            <p:stCondLst>
+                              <p:cond delay="0"/>
+                            </p:stCondLst>
+                            <p:childTnLst>
+                              <p:par>
+                                <p:cTn id="5" presetID="10" presetClass="exit" presetSubtype="0" fill="hold" grpId="0" nodeType="clickEffect">
+                                  <p:stCondLst>
+                                    <p:cond delay="0"/>
+                                  </p:stCondLst>
+                                  <p:childTnLst>
+                                    <p:animEffect transition="out" filter="fade">
+                                      <p:cBhvr>
+                                        <p:cTn id="6" dur="2000"/>
+                                        <p:tgtEl>
+                                          <p:spTgt spid="10"/>
+                                        </p:tgtEl>
+                                      </p:cBhvr>
+                                    </p:animEffect>
+                                    <p:set>
+                                      <p:cBhvr>
+                                        <p:cTn id="7" dur="1" fill="hold">
+                                          <p:stCondLst>
+                                            <p:cond delay="1999"/>
+                                          </p:stCondLst>
+                                        </p:cTn>
+                                        <p:tgtEl>
+                                          <p:spTgt spid="10"/>
+                                        </p:tgtEl>
+                                        <p:attrNameLst>
+                                          <p:attrName>style.visibility</p:attrName>
+                                        </p:attrNameLst>
+                                      </p:cBhvr>
+                                      <p:to>
+                                        <p:strVal val="hidden"/>
+                                      </p:to>
+                                    </p:set>
+                                  </p:childTnLst>
+                                </p:cTn>
+                              </p:par>
+                              <p:par>
+                                <p:cTn id="8" presetID="10" presetClass="exit" presetSubtype="0" fill="hold" grpId="0" nodeType="withEffect">
+                                  <p:stCondLst>
+                                    <p:cond delay="0"/>
+                                  </p:stCondLst>
+                                  <p:childTnLst>
+                                    <p:animEffect transition="out" filter="fade">
+                                      <p:cBhvr>
+                                        <p:cTn id="9" dur="2000"/>
+                                        <p:tgtEl>
+                                          <p:spTgt spid="11"/>
+                                        </p:tgtEl>
+                                      </p:cBhvr>
+                                    </p:animEffect>
+                                    <p:set>
+                                      <p:cBhvr>
+                                        <p:cTn id="10" dur="1" fill="hold">
+                                          <p:stCondLst>
+                                            <p:cond delay="1999"/>
+                                          </p:stCondLst>
+                                        </p:cTn>
+                                        <p:tgtEl>
+                                          <p:spTgt spid="11"/>
+                                        </p:tgtEl>
+                                        <p:attrNameLst>
+                                          <p:attrName>style.visibility</p:attrName>
+                                        </p:attrNameLst>
+                                      </p:cBhvr>
+                                      <p:to>
+                                        <p:strVal val="hidden"/>
+                                      </p:to>
+                                    </p:set>
+                                  </p:childTnLst>
+                                </p:cTn>
+                              </p:par>
+                              <p:par>
+                                <p:cTn id="11" presetID="10" presetClass="exit" presetSubtype="0" fill="hold" nodeType="withEffect">
+                                  <p:stCondLst>
+                                    <p:cond delay="0"/>
+                                  </p:stCondLst>
+                                  <p:childTnLst>
+                                    <p:animEffect transition="out" filter="fade">
+                                      <p:cBhvr>
+                                        <p:cTn id="12" dur="2000"/>
+                                        <p:tgtEl>
+                                          <p:spTgt spid="9"/>
+                                        </p:tgtEl>
+                                      </p:cBhvr>
+                                    </p:animEffect>
+                                    <p:set>
+                                      <p:cBhvr>
+                                        <p:cTn id="13" dur="1" fill="hold">
+                                          <p:stCondLst>
+                                            <p:cond delay="1999"/>
+                                          </p:stCondLst>
+                                        </p:cTn>
+                                        <p:tgtEl>
+                                          <p:spTgt spid="9"/>
+                                        </p:tgtEl>
+                                        <p:attrNameLst>
+                                          <p:attrName>style.visibility</p:attrName>
+                                        </p:attrNameLst>
+                                      </p:cBhvr>
+                                      <p:to>
+                                        <p:strVal val="hidden"/>
+                                      </p:to>
+                                    </p:set>
+                                  </p:childTnLst>
+                                </p:cTn>
+                              </p:par>
+                              <p:par>
+                                <p:cTn id="14" presetID="10" presetClass="exit" presetSubtype="0" fill="hold" nodeType="withEffect">
+                                  <p:stCondLst>
+                                    <p:cond delay="0"/>
+                                  </p:stCondLst>
+                                  <p:childTnLst>
+                                    <p:animEffect transition="out" filter="fade">
+                                      <p:cBhvr>
+                                        <p:cTn id="15" dur="2000"/>
+                                        <p:tgtEl>
+                                          <p:spTgt spid="7"/>
+                                        </p:tgtEl>
+                                      </p:cBhvr>
+                                    </p:animEffect>
+                                    <p:set>
+                                      <p:cBhvr>
+                                        <p:cTn id="16" dur="1" fill="hold">
+                                          <p:stCondLst>
+                                            <p:cond delay="1999"/>
+                                          </p:stCondLst>
+                                        </p:cTn>
+                                        <p:tgtEl>
+                                          <p:spTgt spid="7"/>
+                                        </p:tgtEl>
+                                        <p:attrNameLst>
+                                          <p:attrName>style.visibility</p:attrName>
+                                        </p:attrNameLst>
+                                      </p:cBhvr>
+                                      <p:to>
+                                        <p:strVal val="hidden"/>
+                                      </p:to>
+                                    </p:set>
+                                  </p:childTnLst>
+                                </p:cTn>
+                              </p:par>
+                              <p:par>
+                                <p:cTn id="17" presetID="6" presetClass="emph" presetSubtype="0" fill="hold" nodeType="withEffect">
+                                  <p:stCondLst>
+                                    <p:cond delay="0"/>
+                                  </p:stCondLst>
+                                  <p:childTnLst>
+                                    <p:animScale>
+                                      <p:cBhvr>
+                                        <p:cTn id="18" dur="2000" fill="hold"/>
+                                        <p:tgtEl>
+                                          <p:spTgt spid="5"/>
+                                        </p:tgtEl>
+                                      </p:cBhvr>
+                                      <p:by x="150000" y="150000"/>
+                                    </p:animScale>
+                                  </p:childTnLst>
+                                </p:cTn>
+                              </p:par>
+                            </p:childTnLst>
+                          </p:cTn>
+                        </p:par>
+                      </p:childTnLst>
+                    </p:cTn>
+                  </p:par>
+                </p:childTnLst>
+              </p:cTn>
+              <p:prevCondLst>
+                <p:cond evt="onPrev" delay="0">
+                  <p:tgtEl>
+                    <p:sldTgt/>
+                  </p:tgtEl>
+                </p:cond>
+              </p:prevCondLst>
+              <p:nextCondLst>
+                <p:cond evt="onNext" delay="0">
+                  <p:tgtEl>
+                    <p:sldTgt/>
+                  </p:tgtEl>
+                </p:cond>
+              </p:nextCondLst>
+            </p:seq>
+          </p:childTnLst>
+        </p:cTn>
+      </p:par>
+    </p:tnLst>
+    <p:bldLst>
+      <p:bldP spid="10" grpId="0"/>
+      <p:bldP spid="11" grpId="0"/>
+    </p:bldLst>
+  </p:timing>
+</p:sld>
+</file>
+
+<file path=ppt/slides/slide12.xml><?xml version="1.0" encoding="utf-8"?>
+<p:sld xmlns:a="http://schemas.openxmlformats.org/drawingml/2006/main" xmlns:r="http://schemas.openxmlformats.org/officeDocument/2006/relationships" xmlns:p="http://schemas.openxmlformats.org/presentationml/2006/main">
+  <p:cSld>
+    <p:spTree>
+      <p:nvGrpSpPr>
+        <p:cNvPr id="1" name=""/>
+        <p:cNvGrpSpPr/>
+        <p:nvPr/>
+      </p:nvGrpSpPr>
+      <p:grpSpPr>
+        <a:xfrm>
+          <a:off x="0" y="0"/>
+          <a:ext cx="0" cy="0"/>
+          <a:chOff x="0" y="0"/>
+          <a:chExt cx="0" cy="0"/>
+        </a:xfrm>
+      </p:grpSpPr>
+      <p:sp>
+        <p:nvSpPr>
+          <p:cNvPr id="2" name="Titel 1">
+            <a:extLst>
+              <a:ext uri="{FF2B5EF4-FFF2-40B4-BE49-F238E27FC236}">
+                <a16:creationId xmlns:a16="http://schemas.microsoft.com/office/drawing/2014/main" id="{3BBB7796-4215-9F47-8F97-37BC32EE3AC2}"/>
+              </a:ext>
+            </a:extLst>
+          </p:cNvPr>
+          <p:cNvSpPr>
+            <a:spLocks noGrp="1"/>
+          </p:cNvSpPr>
+          <p:nvPr>
+            <p:ph type="title"/>
+          </p:nvPr>
+        </p:nvSpPr>
+        <p:spPr/>
+        <p:txBody>
+          <a:bodyPr/>
+          <a:lstStyle/>
+          <a:p>
+            <a:r>
+              <a:rPr lang="nl-BE" dirty="0"/>
+              <a:t>Verder onderzoek</a:t>
+            </a:r>
+          </a:p>
+        </p:txBody>
+      </p:sp>
+      <p:sp>
+        <p:nvSpPr>
+          <p:cNvPr id="3" name="Tijdelijke aanduiding voor inhoud 2">
+            <a:extLst>
+              <a:ext uri="{FF2B5EF4-FFF2-40B4-BE49-F238E27FC236}">
+                <a16:creationId xmlns:a16="http://schemas.microsoft.com/office/drawing/2014/main" id="{D0D46907-B3A3-7347-8F69-C6DD01F8DB1B}"/>
+              </a:ext>
+            </a:extLst>
+          </p:cNvPr>
+          <p:cNvSpPr>
+            <a:spLocks noGrp="1"/>
+          </p:cNvSpPr>
+          <p:nvPr>
+            <p:ph idx="1"/>
+          </p:nvPr>
+        </p:nvSpPr>
+        <p:spPr>
+          <a:xfrm>
+            <a:off x="4663455" y="803186"/>
+            <a:ext cx="6281873" cy="5248622"/>
+          </a:xfrm>
+        </p:spPr>
+        <p:txBody>
+          <a:bodyPr/>
+          <a:lstStyle/>
+          <a:p>
+            <a:r>
+              <a:rPr lang="nl-BE" dirty="0"/>
+              <a:t>Dit onderzoek herhalen</a:t>
+            </a:r>
+          </a:p>
+          <a:p>
+            <a:r>
+              <a:rPr lang="nl-BE" dirty="0"/>
+              <a:t>Applicaties in de cloud</a:t>
+            </a:r>
+          </a:p>
+        </p:txBody>
+      </p:sp>
+    </p:spTree>
+    <p:extLst>
+      <p:ext uri="{BB962C8B-B14F-4D97-AF65-F5344CB8AC3E}">
+        <p14:creationId xmlns:p14="http://schemas.microsoft.com/office/powerpoint/2010/main" val="2784017033"/>
+      </p:ext>
+    </p:extLst>
+  </p:cSld>
+  <p:clrMapOvr>
+    <a:masterClrMapping/>
+  </p:clrMapOvr>
+  <mc:AlternateContent xmlns:mc="http://schemas.openxmlformats.org/markup-compatibility/2006">
+    <mc:Choice xmlns:p14="http://schemas.microsoft.com/office/powerpoint/2010/main" Requires="p14">
+      <p:transition spd="med" p14:dur="700">
+        <p:fade/>
+      </p:transition>
+    </mc:Choice>
+    <mc:Fallback>
+      <p:transition spd="med">
+        <p:fade/>
+      </p:transition>
+    </mc:Fallback>
+  </mc:AlternateContent>
+</p:sld>
+</file>
+
+<file path=ppt/slides/slide13.xml><?xml version="1.0" encoding="utf-8"?>
+<p:sld xmlns:a="http://schemas.openxmlformats.org/drawingml/2006/main" xmlns:r="http://schemas.openxmlformats.org/officeDocument/2006/relationships" xmlns:p="http://schemas.openxmlformats.org/presentationml/2006/main">
+  <p:cSld>
+    <p:spTree>
+      <p:nvGrpSpPr>
+        <p:cNvPr id="1" name=""/>
+        <p:cNvGrpSpPr/>
+        <p:nvPr/>
+      </p:nvGrpSpPr>
+      <p:grpSpPr>
+        <a:xfrm>
+          <a:off x="0" y="0"/>
+          <a:ext cx="0" cy="0"/>
+          <a:chOff x="0" y="0"/>
+          <a:chExt cx="0" cy="0"/>
+        </a:xfrm>
+      </p:grpSpPr>
+      <p:sp>
+        <p:nvSpPr>
+          <p:cNvPr id="2" name="Titel 1">
+            <a:extLst>
+              <a:ext uri="{FF2B5EF4-FFF2-40B4-BE49-F238E27FC236}">
+                <a16:creationId xmlns:a16="http://schemas.microsoft.com/office/drawing/2014/main" id="{03BDD26D-25A8-9441-B5FB-220F6F4DDD80}"/>
+              </a:ext>
+            </a:extLst>
+          </p:cNvPr>
+          <p:cNvSpPr>
+            <a:spLocks noGrp="1"/>
+          </p:cNvSpPr>
+          <p:nvPr>
+            <p:ph type="title"/>
+          </p:nvPr>
+        </p:nvSpPr>
+        <p:spPr/>
+        <p:txBody>
+          <a:bodyPr/>
+          <a:lstStyle/>
+          <a:p>
+            <a:r>
+              <a:rPr lang="nl-BE" dirty="0"/>
+              <a:t>Bedankt voor uw aandacht!</a:t>
+            </a:r>
+          </a:p>
+        </p:txBody>
+      </p:sp>
+      <p:sp>
+        <p:nvSpPr>
+          <p:cNvPr id="3" name="Tijdelijke aanduiding voor tekst 2">
+            <a:extLst>
+              <a:ext uri="{FF2B5EF4-FFF2-40B4-BE49-F238E27FC236}">
+                <a16:creationId xmlns:a16="http://schemas.microsoft.com/office/drawing/2014/main" id="{80AC21CB-6425-3940-ACE9-E3EF929DE96C}"/>
+              </a:ext>
+            </a:extLst>
+          </p:cNvPr>
+          <p:cNvSpPr>
+            <a:spLocks noGrp="1"/>
+          </p:cNvSpPr>
+          <p:nvPr>
+            <p:ph type="body" idx="1"/>
+          </p:nvPr>
+        </p:nvSpPr>
+        <p:spPr/>
+        <p:txBody>
+          <a:bodyPr/>
+          <a:lstStyle/>
+          <a:p>
+            <a:r>
+              <a:rPr lang="nl-BE" dirty="0"/>
+              <a:t>Zijn er nog vragen?</a:t>
+            </a:r>
+          </a:p>
+        </p:txBody>
+      </p:sp>
+    </p:spTree>
+    <p:extLst>
+      <p:ext uri="{BB962C8B-B14F-4D97-AF65-F5344CB8AC3E}">
+        <p14:creationId xmlns:p14="http://schemas.microsoft.com/office/powerpoint/2010/main" val="532160699"/>
+      </p:ext>
+    </p:extLst>
+  </p:cSld>
+  <p:clrMapOvr>
+    <a:masterClrMapping/>
+  </p:clrMapOvr>
+  <mc:AlternateContent xmlns:mc="http://schemas.openxmlformats.org/markup-compatibility/2006">
+    <mc:Choice xmlns:p14="http://schemas.microsoft.com/office/powerpoint/2010/main" Requires="p14">
+      <p:transition spd="med" p14:dur="700">
+        <p:fade/>
+      </p:transition>
+    </mc:Choice>
+    <mc:Fallback>
+      <p:transition spd="med">
+        <p:fade/>
+      </p:transition>
+    </mc:Fallback>
+  </mc:AlternateContent>
+</p:sld>
+</file>
+
 <file path=ppt/slides/slide2.xml><?xml version="1.0" encoding="utf-8"?>
 <p:sld xmlns:a="http://schemas.openxmlformats.org/drawingml/2006/main" xmlns:r="http://schemas.openxmlformats.org/officeDocument/2006/relationships" xmlns:p="http://schemas.openxmlformats.org/presentationml/2006/main">
   <p:cSld>
@@ -16101,10 +17376,9 @@
           <a:p>
             <a:pPr algn="ctr"/>
             <a:r>
-              <a:rPr lang="nl-BE" sz="2800"/>
+              <a:rPr lang="nl-BE" sz="2800" dirty="0"/>
               <a:t>Aanpak onderzoek</a:t>
             </a:r>
-            <a:endParaRPr lang="nl-BE" sz="2800" dirty="0"/>
           </a:p>
           <a:p>
             <a:pPr algn="ctr"/>
@@ -17335,6 +18609,1810 @@
 </p:sld>
 </file>
 
+<file path=ppt/slides/slide5.xml><?xml version="1.0" encoding="utf-8"?>
+<p:sld xmlns:a="http://schemas.openxmlformats.org/drawingml/2006/main" xmlns:r="http://schemas.openxmlformats.org/officeDocument/2006/relationships" xmlns:p="http://schemas.openxmlformats.org/presentationml/2006/main">
+  <p:cSld>
+    <p:spTree>
+      <p:nvGrpSpPr>
+        <p:cNvPr id="1" name=""/>
+        <p:cNvGrpSpPr/>
+        <p:nvPr/>
+      </p:nvGrpSpPr>
+      <p:grpSpPr>
+        <a:xfrm>
+          <a:off x="0" y="0"/>
+          <a:ext cx="0" cy="0"/>
+          <a:chOff x="0" y="0"/>
+          <a:chExt cx="0" cy="0"/>
+        </a:xfrm>
+      </p:grpSpPr>
+      <p:sp>
+        <p:nvSpPr>
+          <p:cNvPr id="2" name="Titel 1">
+            <a:extLst>
+              <a:ext uri="{FF2B5EF4-FFF2-40B4-BE49-F238E27FC236}">
+                <a16:creationId xmlns:a16="http://schemas.microsoft.com/office/drawing/2014/main" id="{3BBB7796-4215-9F47-8F97-37BC32EE3AC2}"/>
+              </a:ext>
+            </a:extLst>
+          </p:cNvPr>
+          <p:cNvSpPr>
+            <a:spLocks noGrp="1"/>
+          </p:cNvSpPr>
+          <p:nvPr>
+            <p:ph type="title"/>
+          </p:nvPr>
+        </p:nvSpPr>
+        <p:spPr/>
+        <p:txBody>
+          <a:bodyPr/>
+          <a:lstStyle/>
+          <a:p>
+            <a:r>
+              <a:rPr lang="nl-BE" dirty="0"/>
+              <a:t>Aanpak onderzoek</a:t>
+            </a:r>
+          </a:p>
+        </p:txBody>
+      </p:sp>
+      <p:sp>
+        <p:nvSpPr>
+          <p:cNvPr id="3" name="Tijdelijke aanduiding voor inhoud 2">
+            <a:extLst>
+              <a:ext uri="{FF2B5EF4-FFF2-40B4-BE49-F238E27FC236}">
+                <a16:creationId xmlns:a16="http://schemas.microsoft.com/office/drawing/2014/main" id="{D0D46907-B3A3-7347-8F69-C6DD01F8DB1B}"/>
+              </a:ext>
+            </a:extLst>
+          </p:cNvPr>
+          <p:cNvSpPr>
+            <a:spLocks noGrp="1"/>
+          </p:cNvSpPr>
+          <p:nvPr>
+            <p:ph idx="1"/>
+          </p:nvPr>
+        </p:nvSpPr>
+        <p:spPr>
+          <a:xfrm>
+            <a:off x="4663455" y="803186"/>
+            <a:ext cx="6281873" cy="5248622"/>
+          </a:xfrm>
+        </p:spPr>
+        <p:txBody>
+          <a:bodyPr/>
+          <a:lstStyle/>
+          <a:p>
+            <a:r>
+              <a:rPr lang="nl-BE" dirty="0"/>
+              <a:t>Producer applicatie</a:t>
+            </a:r>
+          </a:p>
+          <a:p>
+            <a:r>
+              <a:rPr lang="nl-BE" dirty="0"/>
+              <a:t>Consumer applicatie</a:t>
+            </a:r>
+          </a:p>
+        </p:txBody>
+      </p:sp>
+    </p:spTree>
+    <p:extLst>
+      <p:ext uri="{BB962C8B-B14F-4D97-AF65-F5344CB8AC3E}">
+        <p14:creationId xmlns:p14="http://schemas.microsoft.com/office/powerpoint/2010/main" val="3229212314"/>
+      </p:ext>
+    </p:extLst>
+  </p:cSld>
+  <p:clrMapOvr>
+    <a:masterClrMapping/>
+  </p:clrMapOvr>
+  <mc:AlternateContent xmlns:mc="http://schemas.openxmlformats.org/markup-compatibility/2006">
+    <mc:Choice xmlns:p14="http://schemas.microsoft.com/office/powerpoint/2010/main" Requires="p14">
+      <p:transition spd="med" p14:dur="700">
+        <p:fade/>
+      </p:transition>
+    </mc:Choice>
+    <mc:Fallback>
+      <p:transition spd="med">
+        <p:fade/>
+      </p:transition>
+    </mc:Fallback>
+  </mc:AlternateContent>
+</p:sld>
+</file>
+
+<file path=ppt/slides/slide6.xml><?xml version="1.0" encoding="utf-8"?>
+<p:sld xmlns:a="http://schemas.openxmlformats.org/drawingml/2006/main" xmlns:r="http://schemas.openxmlformats.org/officeDocument/2006/relationships" xmlns:p="http://schemas.openxmlformats.org/presentationml/2006/main">
+  <p:cSld>
+    <p:spTree>
+      <p:nvGrpSpPr>
+        <p:cNvPr id="1" name=""/>
+        <p:cNvGrpSpPr/>
+        <p:nvPr/>
+      </p:nvGrpSpPr>
+      <p:grpSpPr>
+        <a:xfrm>
+          <a:off x="0" y="0"/>
+          <a:ext cx="0" cy="0"/>
+          <a:chOff x="0" y="0"/>
+          <a:chExt cx="0" cy="0"/>
+        </a:xfrm>
+      </p:grpSpPr>
+      <p:sp>
+        <p:nvSpPr>
+          <p:cNvPr id="2" name="Titel 1">
+            <a:extLst>
+              <a:ext uri="{FF2B5EF4-FFF2-40B4-BE49-F238E27FC236}">
+                <a16:creationId xmlns:a16="http://schemas.microsoft.com/office/drawing/2014/main" id="{3BBB7796-4215-9F47-8F97-37BC32EE3AC2}"/>
+              </a:ext>
+            </a:extLst>
+          </p:cNvPr>
+          <p:cNvSpPr>
+            <a:spLocks noGrp="1"/>
+          </p:cNvSpPr>
+          <p:nvPr>
+            <p:ph type="title"/>
+          </p:nvPr>
+        </p:nvSpPr>
+        <p:spPr/>
+        <p:txBody>
+          <a:bodyPr/>
+          <a:lstStyle/>
+          <a:p>
+            <a:r>
+              <a:rPr lang="nl-BE" dirty="0"/>
+              <a:t>Proof of Concept</a:t>
+            </a:r>
+          </a:p>
+        </p:txBody>
+      </p:sp>
+      <p:sp>
+        <p:nvSpPr>
+          <p:cNvPr id="3" name="Tijdelijke aanduiding voor inhoud 2">
+            <a:extLst>
+              <a:ext uri="{FF2B5EF4-FFF2-40B4-BE49-F238E27FC236}">
+                <a16:creationId xmlns:a16="http://schemas.microsoft.com/office/drawing/2014/main" id="{D0D46907-B3A3-7347-8F69-C6DD01F8DB1B}"/>
+              </a:ext>
+            </a:extLst>
+          </p:cNvPr>
+          <p:cNvSpPr>
+            <a:spLocks noGrp="1"/>
+          </p:cNvSpPr>
+          <p:nvPr>
+            <p:ph idx="1"/>
+          </p:nvPr>
+        </p:nvSpPr>
+        <p:spPr>
+          <a:xfrm>
+            <a:off x="4663455" y="803186"/>
+            <a:ext cx="6281873" cy="5248622"/>
+          </a:xfrm>
+        </p:spPr>
+        <p:txBody>
+          <a:bodyPr/>
+          <a:lstStyle/>
+          <a:p>
+            <a:r>
+              <a:rPr lang="nl-BE" dirty="0"/>
+              <a:t>Producer applicatie</a:t>
+            </a:r>
+          </a:p>
+          <a:p>
+            <a:r>
+              <a:rPr lang="nl-BE" dirty="0"/>
+              <a:t>Consumer applicatie</a:t>
+            </a:r>
+          </a:p>
+        </p:txBody>
+      </p:sp>
+    </p:spTree>
+    <p:extLst>
+      <p:ext uri="{BB962C8B-B14F-4D97-AF65-F5344CB8AC3E}">
+        <p14:creationId xmlns:p14="http://schemas.microsoft.com/office/powerpoint/2010/main" val="3804443824"/>
+      </p:ext>
+    </p:extLst>
+  </p:cSld>
+  <p:clrMapOvr>
+    <a:masterClrMapping/>
+  </p:clrMapOvr>
+  <mc:AlternateContent xmlns:mc="http://schemas.openxmlformats.org/markup-compatibility/2006">
+    <mc:Choice xmlns:p14="http://schemas.microsoft.com/office/powerpoint/2010/main" Requires="p14">
+      <p:transition spd="med" p14:dur="700">
+        <p:fade/>
+      </p:transition>
+    </mc:Choice>
+    <mc:Fallback>
+      <p:transition spd="med">
+        <p:fade/>
+      </p:transition>
+    </mc:Fallback>
+  </mc:AlternateContent>
+</p:sld>
+</file>
+
+<file path=ppt/slides/slide7.xml><?xml version="1.0" encoding="utf-8"?>
+<p:sld xmlns:a="http://schemas.openxmlformats.org/drawingml/2006/main" xmlns:r="http://schemas.openxmlformats.org/officeDocument/2006/relationships" xmlns:p="http://schemas.openxmlformats.org/presentationml/2006/main">
+  <p:cSld>
+    <p:spTree>
+      <p:nvGrpSpPr>
+        <p:cNvPr id="1" name=""/>
+        <p:cNvGrpSpPr/>
+        <p:nvPr/>
+      </p:nvGrpSpPr>
+      <p:grpSpPr>
+        <a:xfrm>
+          <a:off x="0" y="0"/>
+          <a:ext cx="0" cy="0"/>
+          <a:chOff x="0" y="0"/>
+          <a:chExt cx="0" cy="0"/>
+        </a:xfrm>
+      </p:grpSpPr>
+      <p:pic>
+        <p:nvPicPr>
+          <p:cNvPr id="6" name="Tijdelijke aanduiding voor inhoud 5" descr="Afbeelding met schermafbeelding&#10;&#10;Automatisch gegenereerde beschrijving">
+            <a:extLst>
+              <a:ext uri="{FF2B5EF4-FFF2-40B4-BE49-F238E27FC236}">
+                <a16:creationId xmlns:a16="http://schemas.microsoft.com/office/drawing/2014/main" id="{917DA3DF-8750-C240-9A7C-160838B891AA}"/>
+              </a:ext>
+            </a:extLst>
+          </p:cNvPr>
+          <p:cNvPicPr>
+            <a:picLocks noGrp="1" noChangeAspect="1"/>
+          </p:cNvPicPr>
+          <p:nvPr>
+            <p:ph idx="1"/>
+          </p:nvPr>
+        </p:nvPicPr>
+        <p:blipFill>
+          <a:blip r:embed="rId2"/>
+          <a:stretch>
+            <a:fillRect/>
+          </a:stretch>
+        </p:blipFill>
+        <p:spPr>
+          <a:xfrm>
+            <a:off x="5021631" y="378426"/>
+            <a:ext cx="6281738" cy="3942998"/>
+          </a:xfrm>
+        </p:spPr>
+      </p:pic>
+      <p:sp>
+        <p:nvSpPr>
+          <p:cNvPr id="2" name="Titel 1">
+            <a:extLst>
+              <a:ext uri="{FF2B5EF4-FFF2-40B4-BE49-F238E27FC236}">
+                <a16:creationId xmlns:a16="http://schemas.microsoft.com/office/drawing/2014/main" id="{3BBB7796-4215-9F47-8F97-37BC32EE3AC2}"/>
+              </a:ext>
+            </a:extLst>
+          </p:cNvPr>
+          <p:cNvSpPr>
+            <a:spLocks noGrp="1"/>
+          </p:cNvSpPr>
+          <p:nvPr>
+            <p:ph type="title"/>
+          </p:nvPr>
+        </p:nvSpPr>
+        <p:spPr/>
+        <p:txBody>
+          <a:bodyPr/>
+          <a:lstStyle/>
+          <a:p>
+            <a:r>
+              <a:rPr lang="nl-BE" dirty="0"/>
+              <a:t>Conclusies</a:t>
+            </a:r>
+          </a:p>
+        </p:txBody>
+      </p:sp>
+      <p:sp>
+        <p:nvSpPr>
+          <p:cNvPr id="4" name="Tekstvak 3">
+            <a:extLst>
+              <a:ext uri="{FF2B5EF4-FFF2-40B4-BE49-F238E27FC236}">
+                <a16:creationId xmlns:a16="http://schemas.microsoft.com/office/drawing/2014/main" id="{AAFADC28-97B4-0049-A1B0-FDDF5BD6BD01}"/>
+              </a:ext>
+            </a:extLst>
+          </p:cNvPr>
+          <p:cNvSpPr txBox="1"/>
+          <p:nvPr/>
+        </p:nvSpPr>
+        <p:spPr>
+          <a:xfrm>
+            <a:off x="1520643" y="1753368"/>
+            <a:ext cx="1285929" cy="400110"/>
+          </a:xfrm>
+          <a:prstGeom prst="rect">
+            <a:avLst/>
+          </a:prstGeom>
+          <a:noFill/>
+        </p:spPr>
+        <p:txBody>
+          <a:bodyPr wrap="none" rtlCol="0">
+            <a:spAutoFit/>
+          </a:bodyPr>
+          <a:lstStyle/>
+          <a:p>
+            <a:r>
+              <a:rPr lang="nl-BE" sz="2000" dirty="0">
+                <a:solidFill>
+                  <a:schemeClr val="bg1"/>
+                </a:solidFill>
+              </a:rPr>
+              <a:t>Snelheid </a:t>
+            </a:r>
+          </a:p>
+        </p:txBody>
+      </p:sp>
+      <p:graphicFrame>
+        <p:nvGraphicFramePr>
+          <p:cNvPr id="15" name="Tabel 14">
+            <a:extLst>
+              <a:ext uri="{FF2B5EF4-FFF2-40B4-BE49-F238E27FC236}">
+                <a16:creationId xmlns:a16="http://schemas.microsoft.com/office/drawing/2014/main" id="{8F2D105D-1838-0A4D-8F3A-A4F8DE2B7AC5}"/>
+              </a:ext>
+            </a:extLst>
+          </p:cNvPr>
+          <p:cNvGraphicFramePr>
+            <a:graphicFrameLocks noGrp="1"/>
+          </p:cNvGraphicFramePr>
+          <p:nvPr>
+            <p:extLst>
+              <p:ext uri="{D42A27DB-BD31-4B8C-83A1-F6EECF244321}">
+                <p14:modId xmlns:p14="http://schemas.microsoft.com/office/powerpoint/2010/main" val="4173409840"/>
+              </p:ext>
+            </p:extLst>
+          </p:nvPr>
+        </p:nvGraphicFramePr>
+        <p:xfrm>
+          <a:off x="4652681" y="4321424"/>
+          <a:ext cx="6650688" cy="1828800"/>
+        </p:xfrm>
+        <a:graphic>
+          <a:graphicData uri="http://schemas.openxmlformats.org/drawingml/2006/table">
+            <a:tbl>
+              <a:tblPr firstRow="1" bandRow="1">
+                <a:tableStyleId>{5C22544A-7EE6-4342-B048-85BDC9FD1C3A}</a:tableStyleId>
+              </a:tblPr>
+              <a:tblGrid>
+                <a:gridCol w="1662672">
+                  <a:extLst>
+                    <a:ext uri="{9D8B030D-6E8A-4147-A177-3AD203B41FA5}">
+                      <a16:colId xmlns:a16="http://schemas.microsoft.com/office/drawing/2014/main" val="3223499151"/>
+                    </a:ext>
+                  </a:extLst>
+                </a:gridCol>
+                <a:gridCol w="1662672">
+                  <a:extLst>
+                    <a:ext uri="{9D8B030D-6E8A-4147-A177-3AD203B41FA5}">
+                      <a16:colId xmlns:a16="http://schemas.microsoft.com/office/drawing/2014/main" val="132839027"/>
+                    </a:ext>
+                  </a:extLst>
+                </a:gridCol>
+                <a:gridCol w="1662672">
+                  <a:extLst>
+                    <a:ext uri="{9D8B030D-6E8A-4147-A177-3AD203B41FA5}">
+                      <a16:colId xmlns:a16="http://schemas.microsoft.com/office/drawing/2014/main" val="540544860"/>
+                    </a:ext>
+                  </a:extLst>
+                </a:gridCol>
+                <a:gridCol w="1662672">
+                  <a:extLst>
+                    <a:ext uri="{9D8B030D-6E8A-4147-A177-3AD203B41FA5}">
+                      <a16:colId xmlns:a16="http://schemas.microsoft.com/office/drawing/2014/main" val="3922608634"/>
+                    </a:ext>
+                  </a:extLst>
+                </a:gridCol>
+              </a:tblGrid>
+              <a:tr h="262579">
+                <a:tc>
+                  <a:txBody>
+                    <a:bodyPr/>
+                    <a:lstStyle/>
+                    <a:p>
+                      <a:endParaRPr lang="nl-BE" dirty="0"/>
+                    </a:p>
+                  </a:txBody>
+                  <a:tcPr/>
+                </a:tc>
+                <a:tc>
+                  <a:txBody>
+                    <a:bodyPr/>
+                    <a:lstStyle/>
+                    <a:p>
+                      <a:r>
+                        <a:rPr lang="nl-BE" dirty="0"/>
+                        <a:t>Tijd (ms)</a:t>
+                      </a:r>
+                    </a:p>
+                  </a:txBody>
+                  <a:tcPr/>
+                </a:tc>
+                <a:tc>
+                  <a:txBody>
+                    <a:bodyPr/>
+                    <a:lstStyle/>
+                    <a:p>
+                      <a:r>
+                        <a:rPr lang="nl-BE" dirty="0"/>
+                        <a:t>Tijd (ms)</a:t>
+                      </a:r>
+                    </a:p>
+                  </a:txBody>
+                  <a:tcPr/>
+                </a:tc>
+                <a:tc>
+                  <a:txBody>
+                    <a:bodyPr/>
+                    <a:lstStyle/>
+                    <a:p>
+                      <a:r>
+                        <a:rPr lang="nl-BE" dirty="0"/>
+                        <a:t>Tijd (ms)</a:t>
+                      </a:r>
+                    </a:p>
+                  </a:txBody>
+                  <a:tcPr/>
+                </a:tc>
+                <a:extLst>
+                  <a:ext uri="{0D108BD9-81ED-4DB2-BD59-A6C34878D82A}">
+                    <a16:rowId xmlns:a16="http://schemas.microsoft.com/office/drawing/2014/main" val="4061641372"/>
+                  </a:ext>
+                </a:extLst>
+              </a:tr>
+              <a:tr h="262579">
+                <a:tc>
+                  <a:txBody>
+                    <a:bodyPr/>
+                    <a:lstStyle/>
+                    <a:p>
+                      <a:r>
+                        <a:rPr lang="nl-BE" dirty="0"/>
+                        <a:t>Min.</a:t>
+                      </a:r>
+                    </a:p>
+                  </a:txBody>
+                  <a:tcPr/>
+                </a:tc>
+                <a:tc>
+                  <a:txBody>
+                    <a:bodyPr/>
+                    <a:lstStyle/>
+                    <a:p>
+                      <a:r>
+                        <a:rPr lang="nl-BE" dirty="0"/>
+                        <a:t>1366</a:t>
+                      </a:r>
+                    </a:p>
+                  </a:txBody>
+                  <a:tcPr/>
+                </a:tc>
+                <a:tc>
+                  <a:txBody>
+                    <a:bodyPr/>
+                    <a:lstStyle/>
+                    <a:p>
+                      <a:r>
+                        <a:rPr lang="nl-BE" dirty="0"/>
+                        <a:t>1008</a:t>
+                      </a:r>
+                    </a:p>
+                  </a:txBody>
+                  <a:tcPr/>
+                </a:tc>
+                <a:tc>
+                  <a:txBody>
+                    <a:bodyPr/>
+                    <a:lstStyle/>
+                    <a:p>
+                      <a:r>
+                        <a:rPr lang="nl-BE" dirty="0"/>
+                        <a:t>598</a:t>
+                      </a:r>
+                    </a:p>
+                  </a:txBody>
+                  <a:tcPr/>
+                </a:tc>
+                <a:extLst>
+                  <a:ext uri="{0D108BD9-81ED-4DB2-BD59-A6C34878D82A}">
+                    <a16:rowId xmlns:a16="http://schemas.microsoft.com/office/drawing/2014/main" val="163805619"/>
+                  </a:ext>
+                </a:extLst>
+              </a:tr>
+              <a:tr h="262579">
+                <a:tc>
+                  <a:txBody>
+                    <a:bodyPr/>
+                    <a:lstStyle/>
+                    <a:p>
+                      <a:r>
+                        <a:rPr lang="nl-BE" dirty="0"/>
+                        <a:t>Gem.</a:t>
+                      </a:r>
+                    </a:p>
+                  </a:txBody>
+                  <a:tcPr/>
+                </a:tc>
+                <a:tc>
+                  <a:txBody>
+                    <a:bodyPr/>
+                    <a:lstStyle/>
+                    <a:p>
+                      <a:r>
+                        <a:rPr lang="nl-BE" dirty="0"/>
+                        <a:t>11665.7694</a:t>
+                      </a:r>
+                    </a:p>
+                  </a:txBody>
+                  <a:tcPr/>
+                </a:tc>
+                <a:tc>
+                  <a:txBody>
+                    <a:bodyPr/>
+                    <a:lstStyle/>
+                    <a:p>
+                      <a:r>
+                        <a:rPr lang="nl-BE" dirty="0"/>
+                        <a:t>20339.5169</a:t>
+                      </a:r>
+                    </a:p>
+                  </a:txBody>
+                  <a:tcPr/>
+                </a:tc>
+                <a:tc>
+                  <a:txBody>
+                    <a:bodyPr/>
+                    <a:lstStyle/>
+                    <a:p>
+                      <a:r>
+                        <a:rPr lang="nl-BE" dirty="0"/>
+                        <a:t>21780.911</a:t>
+                      </a:r>
+                    </a:p>
+                  </a:txBody>
+                  <a:tcPr/>
+                </a:tc>
+                <a:extLst>
+                  <a:ext uri="{0D108BD9-81ED-4DB2-BD59-A6C34878D82A}">
+                    <a16:rowId xmlns:a16="http://schemas.microsoft.com/office/drawing/2014/main" val="3615404722"/>
+                  </a:ext>
+                </a:extLst>
+              </a:tr>
+              <a:tr h="262579">
+                <a:tc>
+                  <a:txBody>
+                    <a:bodyPr/>
+                    <a:lstStyle/>
+                    <a:p>
+                      <a:r>
+                        <a:rPr lang="nl-BE" dirty="0"/>
+                        <a:t>Max.</a:t>
+                      </a:r>
+                    </a:p>
+                  </a:txBody>
+                  <a:tcPr/>
+                </a:tc>
+                <a:tc>
+                  <a:txBody>
+                    <a:bodyPr/>
+                    <a:lstStyle/>
+                    <a:p>
+                      <a:r>
+                        <a:rPr lang="nl-BE" dirty="0"/>
+                        <a:t>19365</a:t>
+                      </a:r>
+                    </a:p>
+                  </a:txBody>
+                  <a:tcPr/>
+                </a:tc>
+                <a:tc>
+                  <a:txBody>
+                    <a:bodyPr/>
+                    <a:lstStyle/>
+                    <a:p>
+                      <a:r>
+                        <a:rPr lang="nl-BE" dirty="0"/>
+                        <a:t>38537</a:t>
+                      </a:r>
+                    </a:p>
+                  </a:txBody>
+                  <a:tcPr/>
+                </a:tc>
+                <a:tc>
+                  <a:txBody>
+                    <a:bodyPr/>
+                    <a:lstStyle/>
+                    <a:p>
+                      <a:r>
+                        <a:rPr lang="nl-BE" dirty="0"/>
+                        <a:t>41805</a:t>
+                      </a:r>
+                    </a:p>
+                  </a:txBody>
+                  <a:tcPr/>
+                </a:tc>
+                <a:extLst>
+                  <a:ext uri="{0D108BD9-81ED-4DB2-BD59-A6C34878D82A}">
+                    <a16:rowId xmlns:a16="http://schemas.microsoft.com/office/drawing/2014/main" val="2112431658"/>
+                  </a:ext>
+                </a:extLst>
+              </a:tr>
+              <a:tr h="262579">
+                <a:tc>
+                  <a:txBody>
+                    <a:bodyPr/>
+                    <a:lstStyle/>
+                    <a:p>
+                      <a:r>
+                        <a:rPr lang="nl-BE" dirty="0"/>
+                        <a:t># ontvangen.</a:t>
+                      </a:r>
+                    </a:p>
+                  </a:txBody>
+                  <a:tcPr/>
+                </a:tc>
+                <a:tc>
+                  <a:txBody>
+                    <a:bodyPr/>
+                    <a:lstStyle/>
+                    <a:p>
+                      <a:r>
+                        <a:rPr lang="nl-BE" dirty="0"/>
+                        <a:t>10 000</a:t>
+                      </a:r>
+                    </a:p>
+                  </a:txBody>
+                  <a:tcPr/>
+                </a:tc>
+                <a:tc>
+                  <a:txBody>
+                    <a:bodyPr/>
+                    <a:lstStyle/>
+                    <a:p>
+                      <a:pPr marL="0" marR="0" lvl="0" indent="0" algn="l" defTabSz="914400" rtl="0" eaLnBrk="1" fontAlgn="auto" latinLnBrk="0" hangingPunct="1">
+                        <a:lnSpc>
+                          <a:spcPct val="100000"/>
+                        </a:lnSpc>
+                        <a:spcBef>
+                          <a:spcPts val="0"/>
+                        </a:spcBef>
+                        <a:spcAft>
+                          <a:spcPts val="0"/>
+                        </a:spcAft>
+                        <a:buClrTx/>
+                        <a:buSzTx/>
+                        <a:buFontTx/>
+                        <a:buNone/>
+                        <a:tabLst/>
+                        <a:defRPr/>
+                      </a:pPr>
+                      <a:r>
+                        <a:rPr lang="nl-BE" dirty="0"/>
+                        <a:t>10 000</a:t>
+                      </a:r>
+                    </a:p>
+                  </a:txBody>
+                  <a:tcPr/>
+                </a:tc>
+                <a:tc>
+                  <a:txBody>
+                    <a:bodyPr/>
+                    <a:lstStyle/>
+                    <a:p>
+                      <a:pPr marL="0" marR="0" lvl="0" indent="0" algn="l" defTabSz="914400" rtl="0" eaLnBrk="1" fontAlgn="auto" latinLnBrk="0" hangingPunct="1">
+                        <a:lnSpc>
+                          <a:spcPct val="100000"/>
+                        </a:lnSpc>
+                        <a:spcBef>
+                          <a:spcPts val="0"/>
+                        </a:spcBef>
+                        <a:spcAft>
+                          <a:spcPts val="0"/>
+                        </a:spcAft>
+                        <a:buClrTx/>
+                        <a:buSzTx/>
+                        <a:buFontTx/>
+                        <a:buNone/>
+                        <a:tabLst/>
+                        <a:defRPr/>
+                      </a:pPr>
+                      <a:r>
+                        <a:rPr lang="nl-BE" dirty="0"/>
+                        <a:t>10 000</a:t>
+                      </a:r>
+                    </a:p>
+                  </a:txBody>
+                  <a:tcPr/>
+                </a:tc>
+                <a:extLst>
+                  <a:ext uri="{0D108BD9-81ED-4DB2-BD59-A6C34878D82A}">
+                    <a16:rowId xmlns:a16="http://schemas.microsoft.com/office/drawing/2014/main" val="2446760339"/>
+                  </a:ext>
+                </a:extLst>
+              </a:tr>
+            </a:tbl>
+          </a:graphicData>
+        </a:graphic>
+      </p:graphicFrame>
+    </p:spTree>
+    <p:extLst>
+      <p:ext uri="{BB962C8B-B14F-4D97-AF65-F5344CB8AC3E}">
+        <p14:creationId xmlns:p14="http://schemas.microsoft.com/office/powerpoint/2010/main" val="3121424489"/>
+      </p:ext>
+    </p:extLst>
+  </p:cSld>
+  <p:clrMapOvr>
+    <a:masterClrMapping/>
+  </p:clrMapOvr>
+  <mc:AlternateContent xmlns:mc="http://schemas.openxmlformats.org/markup-compatibility/2006">
+    <mc:Choice xmlns:p14="http://schemas.microsoft.com/office/powerpoint/2010/main" Requires="p14">
+      <p:transition spd="med" p14:dur="700">
+        <p:fade/>
+      </p:transition>
+    </mc:Choice>
+    <mc:Fallback>
+      <p:transition spd="med">
+        <p:fade/>
+      </p:transition>
+    </mc:Fallback>
+  </mc:AlternateContent>
+</p:sld>
+</file>
+
+<file path=ppt/slides/slide8.xml><?xml version="1.0" encoding="utf-8"?>
+<p:sld xmlns:a="http://schemas.openxmlformats.org/drawingml/2006/main" xmlns:r="http://schemas.openxmlformats.org/officeDocument/2006/relationships" xmlns:p="http://schemas.openxmlformats.org/presentationml/2006/main">
+  <p:cSld>
+    <p:spTree>
+      <p:nvGrpSpPr>
+        <p:cNvPr id="1" name=""/>
+        <p:cNvGrpSpPr/>
+        <p:nvPr/>
+      </p:nvGrpSpPr>
+      <p:grpSpPr>
+        <a:xfrm>
+          <a:off x="0" y="0"/>
+          <a:ext cx="0" cy="0"/>
+          <a:chOff x="0" y="0"/>
+          <a:chExt cx="0" cy="0"/>
+        </a:xfrm>
+      </p:grpSpPr>
+      <p:sp>
+        <p:nvSpPr>
+          <p:cNvPr id="2" name="Titel 1">
+            <a:extLst>
+              <a:ext uri="{FF2B5EF4-FFF2-40B4-BE49-F238E27FC236}">
+                <a16:creationId xmlns:a16="http://schemas.microsoft.com/office/drawing/2014/main" id="{3BBB7796-4215-9F47-8F97-37BC32EE3AC2}"/>
+              </a:ext>
+            </a:extLst>
+          </p:cNvPr>
+          <p:cNvSpPr>
+            <a:spLocks noGrp="1"/>
+          </p:cNvSpPr>
+          <p:nvPr>
+            <p:ph type="title"/>
+          </p:nvPr>
+        </p:nvSpPr>
+        <p:spPr/>
+        <p:txBody>
+          <a:bodyPr/>
+          <a:lstStyle/>
+          <a:p>
+            <a:r>
+              <a:rPr lang="nl-BE" dirty="0"/>
+              <a:t>Conclusies</a:t>
+            </a:r>
+          </a:p>
+        </p:txBody>
+      </p:sp>
+      <p:sp>
+        <p:nvSpPr>
+          <p:cNvPr id="4" name="Tekstvak 3">
+            <a:extLst>
+              <a:ext uri="{FF2B5EF4-FFF2-40B4-BE49-F238E27FC236}">
+                <a16:creationId xmlns:a16="http://schemas.microsoft.com/office/drawing/2014/main" id="{AAFADC28-97B4-0049-A1B0-FDDF5BD6BD01}"/>
+              </a:ext>
+            </a:extLst>
+          </p:cNvPr>
+          <p:cNvSpPr txBox="1"/>
+          <p:nvPr/>
+        </p:nvSpPr>
+        <p:spPr>
+          <a:xfrm>
+            <a:off x="1520643" y="1753368"/>
+            <a:ext cx="1285929" cy="400110"/>
+          </a:xfrm>
+          <a:prstGeom prst="rect">
+            <a:avLst/>
+          </a:prstGeom>
+          <a:noFill/>
+        </p:spPr>
+        <p:txBody>
+          <a:bodyPr wrap="none" rtlCol="0">
+            <a:spAutoFit/>
+          </a:bodyPr>
+          <a:lstStyle/>
+          <a:p>
+            <a:r>
+              <a:rPr lang="nl-BE" sz="2000" dirty="0">
+                <a:solidFill>
+                  <a:schemeClr val="bg1"/>
+                </a:solidFill>
+              </a:rPr>
+              <a:t>Snelheid </a:t>
+            </a:r>
+          </a:p>
+        </p:txBody>
+      </p:sp>
+      <p:pic>
+        <p:nvPicPr>
+          <p:cNvPr id="9" name="Afbeelding 8" descr="Afbeelding met schermafbeelding&#10;&#10;Automatisch gegenereerde beschrijving">
+            <a:extLst>
+              <a:ext uri="{FF2B5EF4-FFF2-40B4-BE49-F238E27FC236}">
+                <a16:creationId xmlns:a16="http://schemas.microsoft.com/office/drawing/2014/main" id="{FF8DA7A7-BE0D-A340-A7C7-697644AA27A3}"/>
+              </a:ext>
+            </a:extLst>
+          </p:cNvPr>
+          <p:cNvPicPr>
+            <a:picLocks noChangeAspect="1"/>
+          </p:cNvPicPr>
+          <p:nvPr/>
+        </p:nvPicPr>
+        <p:blipFill>
+          <a:blip r:embed="rId2"/>
+          <a:stretch>
+            <a:fillRect/>
+          </a:stretch>
+        </p:blipFill>
+        <p:spPr>
+          <a:xfrm>
+            <a:off x="5020625" y="378425"/>
+            <a:ext cx="6281738" cy="3942999"/>
+          </a:xfrm>
+          <a:prstGeom prst="rect">
+            <a:avLst/>
+          </a:prstGeom>
+        </p:spPr>
+      </p:pic>
+      <p:graphicFrame>
+        <p:nvGraphicFramePr>
+          <p:cNvPr id="18" name="Tabel 17">
+            <a:extLst>
+              <a:ext uri="{FF2B5EF4-FFF2-40B4-BE49-F238E27FC236}">
+                <a16:creationId xmlns:a16="http://schemas.microsoft.com/office/drawing/2014/main" id="{B53790DE-FD7E-B243-9313-BE061C38395A}"/>
+              </a:ext>
+            </a:extLst>
+          </p:cNvPr>
+          <p:cNvGraphicFramePr>
+            <a:graphicFrameLocks noGrp="1"/>
+          </p:cNvGraphicFramePr>
+          <p:nvPr>
+            <p:extLst>
+              <p:ext uri="{D42A27DB-BD31-4B8C-83A1-F6EECF244321}">
+                <p14:modId xmlns:p14="http://schemas.microsoft.com/office/powerpoint/2010/main" val="2349350054"/>
+              </p:ext>
+            </p:extLst>
+          </p:nvPr>
+        </p:nvGraphicFramePr>
+        <p:xfrm>
+          <a:off x="4652681" y="4321424"/>
+          <a:ext cx="6650688" cy="1828800"/>
+        </p:xfrm>
+        <a:graphic>
+          <a:graphicData uri="http://schemas.openxmlformats.org/drawingml/2006/table">
+            <a:tbl>
+              <a:tblPr firstRow="1" bandRow="1">
+                <a:tableStyleId>{5C22544A-7EE6-4342-B048-85BDC9FD1C3A}</a:tableStyleId>
+              </a:tblPr>
+              <a:tblGrid>
+                <a:gridCol w="1662672">
+                  <a:extLst>
+                    <a:ext uri="{9D8B030D-6E8A-4147-A177-3AD203B41FA5}">
+                      <a16:colId xmlns:a16="http://schemas.microsoft.com/office/drawing/2014/main" val="3223499151"/>
+                    </a:ext>
+                  </a:extLst>
+                </a:gridCol>
+                <a:gridCol w="1662672">
+                  <a:extLst>
+                    <a:ext uri="{9D8B030D-6E8A-4147-A177-3AD203B41FA5}">
+                      <a16:colId xmlns:a16="http://schemas.microsoft.com/office/drawing/2014/main" val="132839027"/>
+                    </a:ext>
+                  </a:extLst>
+                </a:gridCol>
+                <a:gridCol w="1662672">
+                  <a:extLst>
+                    <a:ext uri="{9D8B030D-6E8A-4147-A177-3AD203B41FA5}">
+                      <a16:colId xmlns:a16="http://schemas.microsoft.com/office/drawing/2014/main" val="540544860"/>
+                    </a:ext>
+                  </a:extLst>
+                </a:gridCol>
+                <a:gridCol w="1662672">
+                  <a:extLst>
+                    <a:ext uri="{9D8B030D-6E8A-4147-A177-3AD203B41FA5}">
+                      <a16:colId xmlns:a16="http://schemas.microsoft.com/office/drawing/2014/main" val="3922608634"/>
+                    </a:ext>
+                  </a:extLst>
+                </a:gridCol>
+              </a:tblGrid>
+              <a:tr h="262579">
+                <a:tc>
+                  <a:txBody>
+                    <a:bodyPr/>
+                    <a:lstStyle/>
+                    <a:p>
+                      <a:endParaRPr lang="nl-BE" dirty="0"/>
+                    </a:p>
+                  </a:txBody>
+                  <a:tcPr/>
+                </a:tc>
+                <a:tc>
+                  <a:txBody>
+                    <a:bodyPr/>
+                    <a:lstStyle/>
+                    <a:p>
+                      <a:r>
+                        <a:rPr lang="nl-BE" dirty="0"/>
+                        <a:t>Tijd (ms)</a:t>
+                      </a:r>
+                    </a:p>
+                  </a:txBody>
+                  <a:tcPr/>
+                </a:tc>
+                <a:tc>
+                  <a:txBody>
+                    <a:bodyPr/>
+                    <a:lstStyle/>
+                    <a:p>
+                      <a:r>
+                        <a:rPr lang="nl-BE" dirty="0"/>
+                        <a:t>Tijd (ms)</a:t>
+                      </a:r>
+                    </a:p>
+                  </a:txBody>
+                  <a:tcPr/>
+                </a:tc>
+                <a:tc>
+                  <a:txBody>
+                    <a:bodyPr/>
+                    <a:lstStyle/>
+                    <a:p>
+                      <a:r>
+                        <a:rPr lang="nl-BE" dirty="0"/>
+                        <a:t>Tijd (ms)</a:t>
+                      </a:r>
+                    </a:p>
+                  </a:txBody>
+                  <a:tcPr/>
+                </a:tc>
+                <a:extLst>
+                  <a:ext uri="{0D108BD9-81ED-4DB2-BD59-A6C34878D82A}">
+                    <a16:rowId xmlns:a16="http://schemas.microsoft.com/office/drawing/2014/main" val="4061641372"/>
+                  </a:ext>
+                </a:extLst>
+              </a:tr>
+              <a:tr h="262579">
+                <a:tc>
+                  <a:txBody>
+                    <a:bodyPr/>
+                    <a:lstStyle/>
+                    <a:p>
+                      <a:r>
+                        <a:rPr lang="nl-BE" dirty="0"/>
+                        <a:t>Min.</a:t>
+                      </a:r>
+                    </a:p>
+                  </a:txBody>
+                  <a:tcPr/>
+                </a:tc>
+                <a:tc>
+                  <a:txBody>
+                    <a:bodyPr/>
+                    <a:lstStyle/>
+                    <a:p>
+                      <a:r>
+                        <a:rPr lang="nl-BE" dirty="0"/>
+                        <a:t>1753</a:t>
+                      </a:r>
+                    </a:p>
+                  </a:txBody>
+                  <a:tcPr/>
+                </a:tc>
+                <a:tc>
+                  <a:txBody>
+                    <a:bodyPr/>
+                    <a:lstStyle/>
+                    <a:p>
+                      <a:r>
+                        <a:rPr lang="nl-BE" dirty="0"/>
+                        <a:t>1055</a:t>
+                      </a:r>
+                    </a:p>
+                  </a:txBody>
+                  <a:tcPr/>
+                </a:tc>
+                <a:tc>
+                  <a:txBody>
+                    <a:bodyPr/>
+                    <a:lstStyle/>
+                    <a:p>
+                      <a:r>
+                        <a:rPr lang="nl-BE" dirty="0"/>
+                        <a:t>458</a:t>
+                      </a:r>
+                    </a:p>
+                  </a:txBody>
+                  <a:tcPr/>
+                </a:tc>
+                <a:extLst>
+                  <a:ext uri="{0D108BD9-81ED-4DB2-BD59-A6C34878D82A}">
+                    <a16:rowId xmlns:a16="http://schemas.microsoft.com/office/drawing/2014/main" val="163805619"/>
+                  </a:ext>
+                </a:extLst>
+              </a:tr>
+              <a:tr h="262579">
+                <a:tc>
+                  <a:txBody>
+                    <a:bodyPr/>
+                    <a:lstStyle/>
+                    <a:p>
+                      <a:r>
+                        <a:rPr lang="nl-BE" dirty="0"/>
+                        <a:t>Gem.</a:t>
+                      </a:r>
+                    </a:p>
+                  </a:txBody>
+                  <a:tcPr/>
+                </a:tc>
+                <a:tc>
+                  <a:txBody>
+                    <a:bodyPr/>
+                    <a:lstStyle/>
+                    <a:p>
+                      <a:r>
+                        <a:rPr lang="nl-BE" dirty="0"/>
+                        <a:t>88603.80396</a:t>
+                      </a:r>
+                    </a:p>
+                  </a:txBody>
+                  <a:tcPr/>
+                </a:tc>
+                <a:tc>
+                  <a:txBody>
+                    <a:bodyPr/>
+                    <a:lstStyle/>
+                    <a:p>
+                      <a:r>
+                        <a:rPr lang="nl-BE" dirty="0"/>
+                        <a:t>175526.39283</a:t>
+                      </a:r>
+                    </a:p>
+                  </a:txBody>
+                  <a:tcPr/>
+                </a:tc>
+                <a:tc>
+                  <a:txBody>
+                    <a:bodyPr/>
+                    <a:lstStyle/>
+                    <a:p>
+                      <a:r>
+                        <a:rPr lang="nl-BE" dirty="0"/>
+                        <a:t>114365.12135</a:t>
+                      </a:r>
+                    </a:p>
+                  </a:txBody>
+                  <a:tcPr/>
+                </a:tc>
+                <a:extLst>
+                  <a:ext uri="{0D108BD9-81ED-4DB2-BD59-A6C34878D82A}">
+                    <a16:rowId xmlns:a16="http://schemas.microsoft.com/office/drawing/2014/main" val="3615404722"/>
+                  </a:ext>
+                </a:extLst>
+              </a:tr>
+              <a:tr h="262579">
+                <a:tc>
+                  <a:txBody>
+                    <a:bodyPr/>
+                    <a:lstStyle/>
+                    <a:p>
+                      <a:r>
+                        <a:rPr lang="nl-BE" dirty="0"/>
+                        <a:t>Max.</a:t>
+                      </a:r>
+                    </a:p>
+                  </a:txBody>
+                  <a:tcPr/>
+                </a:tc>
+                <a:tc>
+                  <a:txBody>
+                    <a:bodyPr/>
+                    <a:lstStyle/>
+                    <a:p>
+                      <a:r>
+                        <a:rPr lang="nl-BE" dirty="0"/>
+                        <a:t>169580</a:t>
+                      </a:r>
+                    </a:p>
+                  </a:txBody>
+                  <a:tcPr/>
+                </a:tc>
+                <a:tc>
+                  <a:txBody>
+                    <a:bodyPr/>
+                    <a:lstStyle/>
+                    <a:p>
+                      <a:r>
+                        <a:rPr lang="nl-BE" dirty="0"/>
+                        <a:t>346431</a:t>
+                      </a:r>
+                    </a:p>
+                  </a:txBody>
+                  <a:tcPr/>
+                </a:tc>
+                <a:tc>
+                  <a:txBody>
+                    <a:bodyPr/>
+                    <a:lstStyle/>
+                    <a:p>
+                      <a:r>
+                        <a:rPr lang="nl-BE" dirty="0"/>
+                        <a:t>224467</a:t>
+                      </a:r>
+                    </a:p>
+                  </a:txBody>
+                  <a:tcPr/>
+                </a:tc>
+                <a:extLst>
+                  <a:ext uri="{0D108BD9-81ED-4DB2-BD59-A6C34878D82A}">
+                    <a16:rowId xmlns:a16="http://schemas.microsoft.com/office/drawing/2014/main" val="2112431658"/>
+                  </a:ext>
+                </a:extLst>
+              </a:tr>
+              <a:tr h="262579">
+                <a:tc>
+                  <a:txBody>
+                    <a:bodyPr/>
+                    <a:lstStyle/>
+                    <a:p>
+                      <a:r>
+                        <a:rPr lang="nl-BE" dirty="0"/>
+                        <a:t># ontvangen.</a:t>
+                      </a:r>
+                    </a:p>
+                  </a:txBody>
+                  <a:tcPr/>
+                </a:tc>
+                <a:tc>
+                  <a:txBody>
+                    <a:bodyPr/>
+                    <a:lstStyle/>
+                    <a:p>
+                      <a:r>
+                        <a:rPr lang="nl-BE" dirty="0"/>
+                        <a:t>100 000</a:t>
+                      </a:r>
+                    </a:p>
+                  </a:txBody>
+                  <a:tcPr/>
+                </a:tc>
+                <a:tc>
+                  <a:txBody>
+                    <a:bodyPr/>
+                    <a:lstStyle/>
+                    <a:p>
+                      <a:pPr marL="0" marR="0" lvl="0" indent="0" algn="l" defTabSz="914400" rtl="0" eaLnBrk="1" fontAlgn="auto" latinLnBrk="0" hangingPunct="1">
+                        <a:lnSpc>
+                          <a:spcPct val="100000"/>
+                        </a:lnSpc>
+                        <a:spcBef>
+                          <a:spcPts val="0"/>
+                        </a:spcBef>
+                        <a:spcAft>
+                          <a:spcPts val="0"/>
+                        </a:spcAft>
+                        <a:buClrTx/>
+                        <a:buSzTx/>
+                        <a:buFontTx/>
+                        <a:buNone/>
+                        <a:tabLst/>
+                        <a:defRPr/>
+                      </a:pPr>
+                      <a:r>
+                        <a:rPr lang="nl-BE" dirty="0"/>
+                        <a:t>100 000</a:t>
+                      </a:r>
+                    </a:p>
+                  </a:txBody>
+                  <a:tcPr/>
+                </a:tc>
+                <a:tc>
+                  <a:txBody>
+                    <a:bodyPr/>
+                    <a:lstStyle/>
+                    <a:p>
+                      <a:pPr marL="0" marR="0" lvl="0" indent="0" algn="l" defTabSz="914400" rtl="0" eaLnBrk="1" fontAlgn="auto" latinLnBrk="0" hangingPunct="1">
+                        <a:lnSpc>
+                          <a:spcPct val="100000"/>
+                        </a:lnSpc>
+                        <a:spcBef>
+                          <a:spcPts val="0"/>
+                        </a:spcBef>
+                        <a:spcAft>
+                          <a:spcPts val="0"/>
+                        </a:spcAft>
+                        <a:buClrTx/>
+                        <a:buSzTx/>
+                        <a:buFontTx/>
+                        <a:buNone/>
+                        <a:tabLst/>
+                        <a:defRPr/>
+                      </a:pPr>
+                      <a:r>
+                        <a:rPr lang="nl-BE" dirty="0"/>
+                        <a:t>59 802</a:t>
+                      </a:r>
+                    </a:p>
+                  </a:txBody>
+                  <a:tcPr/>
+                </a:tc>
+                <a:extLst>
+                  <a:ext uri="{0D108BD9-81ED-4DB2-BD59-A6C34878D82A}">
+                    <a16:rowId xmlns:a16="http://schemas.microsoft.com/office/drawing/2014/main" val="2446760339"/>
+                  </a:ext>
+                </a:extLst>
+              </a:tr>
+            </a:tbl>
+          </a:graphicData>
+        </a:graphic>
+      </p:graphicFrame>
+    </p:spTree>
+    <p:extLst>
+      <p:ext uri="{BB962C8B-B14F-4D97-AF65-F5344CB8AC3E}">
+        <p14:creationId xmlns:p14="http://schemas.microsoft.com/office/powerpoint/2010/main" val="45196788"/>
+      </p:ext>
+    </p:extLst>
+  </p:cSld>
+  <p:clrMapOvr>
+    <a:masterClrMapping/>
+  </p:clrMapOvr>
+  <mc:AlternateContent xmlns:mc="http://schemas.openxmlformats.org/markup-compatibility/2006">
+    <mc:Choice xmlns:p14="http://schemas.microsoft.com/office/powerpoint/2010/main" Requires="p14">
+      <p:transition spd="med" p14:dur="700">
+        <p:fade/>
+      </p:transition>
+    </mc:Choice>
+    <mc:Fallback>
+      <p:transition spd="med">
+        <p:fade/>
+      </p:transition>
+    </mc:Fallback>
+  </mc:AlternateContent>
+</p:sld>
+</file>
+
+<file path=ppt/slides/slide9.xml><?xml version="1.0" encoding="utf-8"?>
+<p:sld xmlns:a="http://schemas.openxmlformats.org/drawingml/2006/main" xmlns:r="http://schemas.openxmlformats.org/officeDocument/2006/relationships" xmlns:p="http://schemas.openxmlformats.org/presentationml/2006/main">
+  <p:cSld>
+    <p:spTree>
+      <p:nvGrpSpPr>
+        <p:cNvPr id="1" name=""/>
+        <p:cNvGrpSpPr/>
+        <p:nvPr/>
+      </p:nvGrpSpPr>
+      <p:grpSpPr>
+        <a:xfrm>
+          <a:off x="0" y="0"/>
+          <a:ext cx="0" cy="0"/>
+          <a:chOff x="0" y="0"/>
+          <a:chExt cx="0" cy="0"/>
+        </a:xfrm>
+      </p:grpSpPr>
+      <p:sp>
+        <p:nvSpPr>
+          <p:cNvPr id="2" name="Titel 1">
+            <a:extLst>
+              <a:ext uri="{FF2B5EF4-FFF2-40B4-BE49-F238E27FC236}">
+                <a16:creationId xmlns:a16="http://schemas.microsoft.com/office/drawing/2014/main" id="{3BBB7796-4215-9F47-8F97-37BC32EE3AC2}"/>
+              </a:ext>
+            </a:extLst>
+          </p:cNvPr>
+          <p:cNvSpPr>
+            <a:spLocks noGrp="1"/>
+          </p:cNvSpPr>
+          <p:nvPr>
+            <p:ph type="title"/>
+          </p:nvPr>
+        </p:nvSpPr>
+        <p:spPr/>
+        <p:txBody>
+          <a:bodyPr/>
+          <a:lstStyle/>
+          <a:p>
+            <a:r>
+              <a:rPr lang="nl-BE" dirty="0"/>
+              <a:t>Conclusies</a:t>
+            </a:r>
+          </a:p>
+        </p:txBody>
+      </p:sp>
+      <p:sp>
+        <p:nvSpPr>
+          <p:cNvPr id="4" name="Tekstvak 3">
+            <a:extLst>
+              <a:ext uri="{FF2B5EF4-FFF2-40B4-BE49-F238E27FC236}">
+                <a16:creationId xmlns:a16="http://schemas.microsoft.com/office/drawing/2014/main" id="{AAFADC28-97B4-0049-A1B0-FDDF5BD6BD01}"/>
+              </a:ext>
+            </a:extLst>
+          </p:cNvPr>
+          <p:cNvSpPr txBox="1"/>
+          <p:nvPr/>
+        </p:nvSpPr>
+        <p:spPr>
+          <a:xfrm>
+            <a:off x="1520643" y="1753368"/>
+            <a:ext cx="1285929" cy="400110"/>
+          </a:xfrm>
+          <a:prstGeom prst="rect">
+            <a:avLst/>
+          </a:prstGeom>
+          <a:noFill/>
+        </p:spPr>
+        <p:txBody>
+          <a:bodyPr wrap="none" rtlCol="0">
+            <a:spAutoFit/>
+          </a:bodyPr>
+          <a:lstStyle/>
+          <a:p>
+            <a:r>
+              <a:rPr lang="nl-BE" sz="2000" dirty="0">
+                <a:solidFill>
+                  <a:schemeClr val="bg1"/>
+                </a:solidFill>
+              </a:rPr>
+              <a:t>Snelheid </a:t>
+            </a:r>
+          </a:p>
+        </p:txBody>
+      </p:sp>
+      <p:pic>
+        <p:nvPicPr>
+          <p:cNvPr id="5" name="Afbeelding 4" descr="Afbeelding met schermafbeelding&#10;&#10;Automatisch gegenereerde beschrijving">
+            <a:extLst>
+              <a:ext uri="{FF2B5EF4-FFF2-40B4-BE49-F238E27FC236}">
+                <a16:creationId xmlns:a16="http://schemas.microsoft.com/office/drawing/2014/main" id="{8C24C151-0F3F-7E4C-8BB8-CB070E4FA821}"/>
+              </a:ext>
+            </a:extLst>
+          </p:cNvPr>
+          <p:cNvPicPr>
+            <a:picLocks noChangeAspect="1"/>
+          </p:cNvPicPr>
+          <p:nvPr/>
+        </p:nvPicPr>
+        <p:blipFill>
+          <a:blip r:embed="rId2"/>
+          <a:stretch>
+            <a:fillRect/>
+          </a:stretch>
+        </p:blipFill>
+        <p:spPr>
+          <a:xfrm>
+            <a:off x="5021630" y="378425"/>
+            <a:ext cx="6281739" cy="3942999"/>
+          </a:xfrm>
+          <a:prstGeom prst="rect">
+            <a:avLst/>
+          </a:prstGeom>
+        </p:spPr>
+      </p:pic>
+      <p:graphicFrame>
+        <p:nvGraphicFramePr>
+          <p:cNvPr id="15" name="Tabel 14">
+            <a:extLst>
+              <a:ext uri="{FF2B5EF4-FFF2-40B4-BE49-F238E27FC236}">
+                <a16:creationId xmlns:a16="http://schemas.microsoft.com/office/drawing/2014/main" id="{491773C2-E4A1-DF45-B084-730FA0A1D95F}"/>
+              </a:ext>
+            </a:extLst>
+          </p:cNvPr>
+          <p:cNvGraphicFramePr>
+            <a:graphicFrameLocks noGrp="1"/>
+          </p:cNvGraphicFramePr>
+          <p:nvPr>
+            <p:extLst>
+              <p:ext uri="{D42A27DB-BD31-4B8C-83A1-F6EECF244321}">
+                <p14:modId xmlns:p14="http://schemas.microsoft.com/office/powerpoint/2010/main" val="3577821255"/>
+              </p:ext>
+            </p:extLst>
+          </p:nvPr>
+        </p:nvGraphicFramePr>
+        <p:xfrm>
+          <a:off x="4652681" y="4321424"/>
+          <a:ext cx="6650688" cy="1828800"/>
+        </p:xfrm>
+        <a:graphic>
+          <a:graphicData uri="http://schemas.openxmlformats.org/drawingml/2006/table">
+            <a:tbl>
+              <a:tblPr firstRow="1" bandRow="1">
+                <a:tableStyleId>{5C22544A-7EE6-4342-B048-85BDC9FD1C3A}</a:tableStyleId>
+              </a:tblPr>
+              <a:tblGrid>
+                <a:gridCol w="1662672">
+                  <a:extLst>
+                    <a:ext uri="{9D8B030D-6E8A-4147-A177-3AD203B41FA5}">
+                      <a16:colId xmlns:a16="http://schemas.microsoft.com/office/drawing/2014/main" val="3223499151"/>
+                    </a:ext>
+                  </a:extLst>
+                </a:gridCol>
+                <a:gridCol w="1662672">
+                  <a:extLst>
+                    <a:ext uri="{9D8B030D-6E8A-4147-A177-3AD203B41FA5}">
+                      <a16:colId xmlns:a16="http://schemas.microsoft.com/office/drawing/2014/main" val="132839027"/>
+                    </a:ext>
+                  </a:extLst>
+                </a:gridCol>
+                <a:gridCol w="1662672">
+                  <a:extLst>
+                    <a:ext uri="{9D8B030D-6E8A-4147-A177-3AD203B41FA5}">
+                      <a16:colId xmlns:a16="http://schemas.microsoft.com/office/drawing/2014/main" val="540544860"/>
+                    </a:ext>
+                  </a:extLst>
+                </a:gridCol>
+                <a:gridCol w="1662672">
+                  <a:extLst>
+                    <a:ext uri="{9D8B030D-6E8A-4147-A177-3AD203B41FA5}">
+                      <a16:colId xmlns:a16="http://schemas.microsoft.com/office/drawing/2014/main" val="3922608634"/>
+                    </a:ext>
+                  </a:extLst>
+                </a:gridCol>
+              </a:tblGrid>
+              <a:tr h="262579">
+                <a:tc>
+                  <a:txBody>
+                    <a:bodyPr/>
+                    <a:lstStyle/>
+                    <a:p>
+                      <a:endParaRPr lang="nl-BE" dirty="0"/>
+                    </a:p>
+                  </a:txBody>
+                  <a:tcPr/>
+                </a:tc>
+                <a:tc>
+                  <a:txBody>
+                    <a:bodyPr/>
+                    <a:lstStyle/>
+                    <a:p>
+                      <a:r>
+                        <a:rPr lang="nl-BE" dirty="0"/>
+                        <a:t>Tijd (ms)</a:t>
+                      </a:r>
+                    </a:p>
+                  </a:txBody>
+                  <a:tcPr/>
+                </a:tc>
+                <a:tc>
+                  <a:txBody>
+                    <a:bodyPr/>
+                    <a:lstStyle/>
+                    <a:p>
+                      <a:r>
+                        <a:rPr lang="nl-BE" dirty="0"/>
+                        <a:t>Tijd (ms)</a:t>
+                      </a:r>
+                    </a:p>
+                  </a:txBody>
+                  <a:tcPr/>
+                </a:tc>
+                <a:tc>
+                  <a:txBody>
+                    <a:bodyPr/>
+                    <a:lstStyle/>
+                    <a:p>
+                      <a:r>
+                        <a:rPr lang="nl-BE" dirty="0"/>
+                        <a:t>Tijd (ms)</a:t>
+                      </a:r>
+                    </a:p>
+                  </a:txBody>
+                  <a:tcPr/>
+                </a:tc>
+                <a:extLst>
+                  <a:ext uri="{0D108BD9-81ED-4DB2-BD59-A6C34878D82A}">
+                    <a16:rowId xmlns:a16="http://schemas.microsoft.com/office/drawing/2014/main" val="4061641372"/>
+                  </a:ext>
+                </a:extLst>
+              </a:tr>
+              <a:tr h="262579">
+                <a:tc>
+                  <a:txBody>
+                    <a:bodyPr/>
+                    <a:lstStyle/>
+                    <a:p>
+                      <a:r>
+                        <a:rPr lang="nl-BE" dirty="0"/>
+                        <a:t>Min.</a:t>
+                      </a:r>
+                    </a:p>
+                  </a:txBody>
+                  <a:tcPr/>
+                </a:tc>
+                <a:tc>
+                  <a:txBody>
+                    <a:bodyPr/>
+                    <a:lstStyle/>
+                    <a:p>
+                      <a:r>
+                        <a:rPr lang="nl-BE" dirty="0"/>
+                        <a:t>3327</a:t>
+                      </a:r>
+                    </a:p>
+                  </a:txBody>
+                  <a:tcPr/>
+                </a:tc>
+                <a:tc>
+                  <a:txBody>
+                    <a:bodyPr/>
+                    <a:lstStyle/>
+                    <a:p>
+                      <a:r>
+                        <a:rPr lang="nl-BE" dirty="0"/>
+                        <a:t>3930</a:t>
+                      </a:r>
+                    </a:p>
+                  </a:txBody>
+                  <a:tcPr/>
+                </a:tc>
+                <a:tc>
+                  <a:txBody>
+                    <a:bodyPr/>
+                    <a:lstStyle/>
+                    <a:p>
+                      <a:r>
+                        <a:rPr lang="nl-BE" dirty="0"/>
+                        <a:t>1345</a:t>
+                      </a:r>
+                    </a:p>
+                  </a:txBody>
+                  <a:tcPr/>
+                </a:tc>
+                <a:extLst>
+                  <a:ext uri="{0D108BD9-81ED-4DB2-BD59-A6C34878D82A}">
+                    <a16:rowId xmlns:a16="http://schemas.microsoft.com/office/drawing/2014/main" val="163805619"/>
+                  </a:ext>
+                </a:extLst>
+              </a:tr>
+              <a:tr h="262579">
+                <a:tc>
+                  <a:txBody>
+                    <a:bodyPr/>
+                    <a:lstStyle/>
+                    <a:p>
+                      <a:r>
+                        <a:rPr lang="nl-BE" dirty="0"/>
+                        <a:t>Gem.</a:t>
+                      </a:r>
+                    </a:p>
+                  </a:txBody>
+                  <a:tcPr/>
+                </a:tc>
+                <a:tc>
+                  <a:txBody>
+                    <a:bodyPr/>
+                    <a:lstStyle/>
+                    <a:p>
+                      <a:r>
+                        <a:rPr lang="nl-BE" dirty="0"/>
+                        <a:t>577596.5258</a:t>
+                      </a:r>
+                    </a:p>
+                  </a:txBody>
+                  <a:tcPr/>
+                </a:tc>
+                <a:tc>
+                  <a:txBody>
+                    <a:bodyPr/>
+                    <a:lstStyle/>
+                    <a:p>
+                      <a:r>
+                        <a:rPr lang="nl-BE" dirty="0"/>
+                        <a:t>1719014.2453</a:t>
+                      </a:r>
+                    </a:p>
+                  </a:txBody>
+                  <a:tcPr/>
+                </a:tc>
+                <a:tc>
+                  <a:txBody>
+                    <a:bodyPr/>
+                    <a:lstStyle/>
+                    <a:p>
+                      <a:r>
+                        <a:rPr lang="nl-BE" dirty="0"/>
+                        <a:t>300640.4603</a:t>
+                      </a:r>
+                    </a:p>
+                  </a:txBody>
+                  <a:tcPr/>
+                </a:tc>
+                <a:extLst>
+                  <a:ext uri="{0D108BD9-81ED-4DB2-BD59-A6C34878D82A}">
+                    <a16:rowId xmlns:a16="http://schemas.microsoft.com/office/drawing/2014/main" val="3615404722"/>
+                  </a:ext>
+                </a:extLst>
+              </a:tr>
+              <a:tr h="262579">
+                <a:tc>
+                  <a:txBody>
+                    <a:bodyPr/>
+                    <a:lstStyle/>
+                    <a:p>
+                      <a:r>
+                        <a:rPr lang="nl-BE" dirty="0"/>
+                        <a:t>Max.</a:t>
+                      </a:r>
+                    </a:p>
+                  </a:txBody>
+                  <a:tcPr/>
+                </a:tc>
+                <a:tc>
+                  <a:txBody>
+                    <a:bodyPr/>
+                    <a:lstStyle/>
+                    <a:p>
+                      <a:r>
+                        <a:rPr lang="nl-BE" dirty="0"/>
+                        <a:t>1037761</a:t>
+                      </a:r>
+                    </a:p>
+                  </a:txBody>
+                  <a:tcPr/>
+                </a:tc>
+                <a:tc>
+                  <a:txBody>
+                    <a:bodyPr/>
+                    <a:lstStyle/>
+                    <a:p>
+                      <a:r>
+                        <a:rPr lang="nl-BE" dirty="0"/>
+                        <a:t>3424980</a:t>
+                      </a:r>
+                    </a:p>
+                  </a:txBody>
+                  <a:tcPr/>
+                </a:tc>
+                <a:tc>
+                  <a:txBody>
+                    <a:bodyPr/>
+                    <a:lstStyle/>
+                    <a:p>
+                      <a:r>
+                        <a:rPr lang="nl-BE" dirty="0"/>
+                        <a:t>590104</a:t>
+                      </a:r>
+                    </a:p>
+                  </a:txBody>
+                  <a:tcPr/>
+                </a:tc>
+                <a:extLst>
+                  <a:ext uri="{0D108BD9-81ED-4DB2-BD59-A6C34878D82A}">
+                    <a16:rowId xmlns:a16="http://schemas.microsoft.com/office/drawing/2014/main" val="2112431658"/>
+                  </a:ext>
+                </a:extLst>
+              </a:tr>
+              <a:tr h="262579">
+                <a:tc>
+                  <a:txBody>
+                    <a:bodyPr/>
+                    <a:lstStyle/>
+                    <a:p>
+                      <a:r>
+                        <a:rPr lang="nl-BE" dirty="0"/>
+                        <a:t># ontvangen.</a:t>
+                      </a:r>
+                    </a:p>
+                  </a:txBody>
+                  <a:tcPr/>
+                </a:tc>
+                <a:tc>
+                  <a:txBody>
+                    <a:bodyPr/>
+                    <a:lstStyle/>
+                    <a:p>
+                      <a:r>
+                        <a:rPr lang="nl-BE" dirty="0"/>
+                        <a:t>556 454</a:t>
+                      </a:r>
+                    </a:p>
+                  </a:txBody>
+                  <a:tcPr/>
+                </a:tc>
+                <a:tc>
+                  <a:txBody>
+                    <a:bodyPr/>
+                    <a:lstStyle/>
+                    <a:p>
+                      <a:pPr marL="0" marR="0" lvl="0" indent="0" algn="l" defTabSz="914400" rtl="0" eaLnBrk="1" fontAlgn="auto" latinLnBrk="0" hangingPunct="1">
+                        <a:lnSpc>
+                          <a:spcPct val="100000"/>
+                        </a:lnSpc>
+                        <a:spcBef>
+                          <a:spcPts val="0"/>
+                        </a:spcBef>
+                        <a:spcAft>
+                          <a:spcPts val="0"/>
+                        </a:spcAft>
+                        <a:buClrTx/>
+                        <a:buSzTx/>
+                        <a:buFontTx/>
+                        <a:buNone/>
+                        <a:tabLst/>
+                        <a:defRPr/>
+                      </a:pPr>
+                      <a:r>
+                        <a:rPr lang="nl-BE" dirty="0"/>
+                        <a:t>1 000 000</a:t>
+                      </a:r>
+                    </a:p>
+                  </a:txBody>
+                  <a:tcPr/>
+                </a:tc>
+                <a:tc>
+                  <a:txBody>
+                    <a:bodyPr/>
+                    <a:lstStyle/>
+                    <a:p>
+                      <a:pPr marL="0" marR="0" lvl="0" indent="0" algn="l" defTabSz="914400" rtl="0" eaLnBrk="1" fontAlgn="auto" latinLnBrk="0" hangingPunct="1">
+                        <a:lnSpc>
+                          <a:spcPct val="100000"/>
+                        </a:lnSpc>
+                        <a:spcBef>
+                          <a:spcPts val="0"/>
+                        </a:spcBef>
+                        <a:spcAft>
+                          <a:spcPts val="0"/>
+                        </a:spcAft>
+                        <a:buClrTx/>
+                        <a:buSzTx/>
+                        <a:buFontTx/>
+                        <a:buNone/>
+                        <a:tabLst/>
+                        <a:defRPr/>
+                      </a:pPr>
+                      <a:r>
+                        <a:rPr lang="nl-BE" dirty="0"/>
+                        <a:t>59 802</a:t>
+                      </a:r>
+                    </a:p>
+                  </a:txBody>
+                  <a:tcPr/>
+                </a:tc>
+                <a:extLst>
+                  <a:ext uri="{0D108BD9-81ED-4DB2-BD59-A6C34878D82A}">
+                    <a16:rowId xmlns:a16="http://schemas.microsoft.com/office/drawing/2014/main" val="2446760339"/>
+                  </a:ext>
+                </a:extLst>
+              </a:tr>
+            </a:tbl>
+          </a:graphicData>
+        </a:graphic>
+      </p:graphicFrame>
+    </p:spTree>
+    <p:extLst>
+      <p:ext uri="{BB962C8B-B14F-4D97-AF65-F5344CB8AC3E}">
+        <p14:creationId xmlns:p14="http://schemas.microsoft.com/office/powerpoint/2010/main" val="59042907"/>
+      </p:ext>
+    </p:extLst>
+  </p:cSld>
+  <p:clrMapOvr>
+    <a:masterClrMapping/>
+  </p:clrMapOvr>
+  <mc:AlternateContent xmlns:mc="http://schemas.openxmlformats.org/markup-compatibility/2006">
+    <mc:Choice xmlns:p14="http://schemas.microsoft.com/office/powerpoint/2010/main" Requires="p14">
+      <p:transition spd="med" p14:dur="700">
+        <p:fade/>
+      </p:transition>
+    </mc:Choice>
+    <mc:Fallback>
+      <p:transition spd="med">
+        <p:fade/>
+      </p:transition>
+    </mc:Fallback>
+  </mc:AlternateContent>
+</p:sld>
+</file>
+
 <file path=ppt/theme/theme1.xml><?xml version="1.0" encoding="utf-8"?>
 <a:theme xmlns:a="http://schemas.openxmlformats.org/drawingml/2006/main" name="Atlas">
   <a:themeElements>
